--- a/Lectures/01-ClassOverview.pptx
+++ b/Lectures/01-ClassOverview.pptx
@@ -5,7 +5,7 @@
     <p:sldMasterId id="2147483659" r:id="rId1"/>
   </p:sldMasterIdLst>
   <p:notesMasterIdLst>
-    <p:notesMasterId r:id="rId19"/>
+    <p:notesMasterId r:id="rId17"/>
   </p:notesMasterIdLst>
   <p:sldIdLst>
     <p:sldId id="256" r:id="rId2"/>
@@ -16,25 +16,23 @@
     <p:sldId id="263" r:id="rId7"/>
     <p:sldId id="295" r:id="rId8"/>
     <p:sldId id="264" r:id="rId9"/>
-    <p:sldId id="265" r:id="rId10"/>
-    <p:sldId id="266" r:id="rId11"/>
-    <p:sldId id="296" r:id="rId12"/>
-    <p:sldId id="267" r:id="rId13"/>
-    <p:sldId id="269" r:id="rId14"/>
-    <p:sldId id="270" r:id="rId15"/>
-    <p:sldId id="271" r:id="rId16"/>
-    <p:sldId id="272" r:id="rId17"/>
-    <p:sldId id="273" r:id="rId18"/>
+    <p:sldId id="266" r:id="rId10"/>
+    <p:sldId id="267" r:id="rId11"/>
+    <p:sldId id="269" r:id="rId12"/>
+    <p:sldId id="270" r:id="rId13"/>
+    <p:sldId id="271" r:id="rId14"/>
+    <p:sldId id="272" r:id="rId15"/>
+    <p:sldId id="273" r:id="rId16"/>
   </p:sldIdLst>
   <p:sldSz cx="9144000" cy="5143500" type="screen16x9"/>
   <p:notesSz cx="6858000" cy="9144000"/>
   <p:embeddedFontLst>
     <p:embeddedFont>
-      <p:font typeface="Lato" panose="020F0502020204030203" pitchFamily="34" charset="77"/>
-      <p:regular r:id="rId20"/>
-      <p:bold r:id="rId21"/>
-      <p:italic r:id="rId22"/>
-      <p:boldItalic r:id="rId23"/>
+      <p:font typeface="Lato" panose="020F0502020204030203" pitchFamily="34" charset="0"/>
+      <p:regular r:id="rId18"/>
+      <p:bold r:id="rId19"/>
+      <p:italic r:id="rId20"/>
+      <p:boldItalic r:id="rId21"/>
     </p:embeddedFont>
   </p:embeddedFontLst>
   <p:defaultTextStyle>
@@ -5840,219 +5838,6 @@
   <p:cSld>
     <p:spTree>
       <p:nvGrpSpPr>
-        <p:cNvPr id="1" name="Shape 135"/>
-        <p:cNvGrpSpPr/>
-        <p:nvPr/>
-      </p:nvGrpSpPr>
-      <p:grpSpPr>
-        <a:xfrm>
-          <a:off x="0" y="0"/>
-          <a:ext cx="0" cy="0"/>
-          <a:chOff x="0" y="0"/>
-          <a:chExt cx="0" cy="0"/>
-        </a:xfrm>
-      </p:grpSpPr>
-      <p:sp>
-        <p:nvSpPr>
-          <p:cNvPr id="136" name="Google Shape;136;g6d8ed670a8_0_40:notes"/>
-          <p:cNvSpPr>
-            <a:spLocks noGrp="1" noRot="1" noChangeAspect="1"/>
-          </p:cNvSpPr>
-          <p:nvPr>
-            <p:ph type="sldImg" idx="2"/>
-          </p:nvPr>
-        </p:nvSpPr>
-        <p:spPr>
-          <a:xfrm>
-            <a:off x="381000" y="685800"/>
-            <a:ext cx="6096000" cy="3429000"/>
-          </a:xfrm>
-          <a:custGeom>
-            <a:avLst/>
-            <a:gdLst/>
-            <a:ahLst/>
-            <a:cxnLst/>
-            <a:rect l="l" t="t" r="r" b="b"/>
-            <a:pathLst>
-              <a:path w="120000" h="120000" extrusionOk="0">
-                <a:moveTo>
-                  <a:pt x="0" y="0"/>
-                </a:moveTo>
-                <a:lnTo>
-                  <a:pt x="120000" y="0"/>
-                </a:lnTo>
-                <a:lnTo>
-                  <a:pt x="120000" y="120000"/>
-                </a:lnTo>
-                <a:lnTo>
-                  <a:pt x="0" y="120000"/>
-                </a:lnTo>
-                <a:close/>
-              </a:path>
-            </a:pathLst>
-          </a:custGeom>
-        </p:spPr>
-      </p:sp>
-      <p:sp>
-        <p:nvSpPr>
-          <p:cNvPr id="137" name="Google Shape;137;g6d8ed670a8_0_40:notes"/>
-          <p:cNvSpPr txBox="1">
-            <a:spLocks noGrp="1"/>
-          </p:cNvSpPr>
-          <p:nvPr>
-            <p:ph type="body" idx="1"/>
-          </p:nvPr>
-        </p:nvSpPr>
-        <p:spPr>
-          <a:xfrm>
-            <a:off x="685800" y="4343400"/>
-            <a:ext cx="5486400" cy="4114800"/>
-          </a:xfrm>
-          <a:prstGeom prst="rect">
-            <a:avLst/>
-          </a:prstGeom>
-        </p:spPr>
-        <p:txBody>
-          <a:bodyPr spcFirstLastPara="1" wrap="square" lIns="91425" tIns="91425" rIns="91425" bIns="91425" anchor="t" anchorCtr="0">
-            <a:noAutofit/>
-          </a:bodyPr>
-          <a:lstStyle/>
-          <a:p>
-            <a:pPr marL="0" lvl="0" indent="0" algn="l" rtl="0">
-              <a:spcBef>
-                <a:spcPts val="0"/>
-              </a:spcBef>
-              <a:spcAft>
-                <a:spcPts val="0"/>
-              </a:spcAft>
-              <a:buNone/>
-            </a:pPr>
-            <a:endParaRPr/>
-          </a:p>
-        </p:txBody>
-      </p:sp>
-    </p:spTree>
-    <p:extLst>
-      <p:ext uri="{BB962C8B-B14F-4D97-AF65-F5344CB8AC3E}">
-        <p14:creationId xmlns:p14="http://schemas.microsoft.com/office/powerpoint/2010/main" val="1290639550"/>
-      </p:ext>
-    </p:extLst>
-  </p:cSld>
-  <p:clrMapOvr>
-    <a:masterClrMapping/>
-  </p:clrMapOvr>
-</p:notes>
-</file>
-
-<file path=ppt/notesSlides/notesSlide11.xml><?xml version="1.0" encoding="utf-8"?>
-<p:notes xmlns:a="http://schemas.openxmlformats.org/drawingml/2006/main" xmlns:r="http://schemas.openxmlformats.org/officeDocument/2006/relationships" xmlns:p="http://schemas.openxmlformats.org/presentationml/2006/main" showMasterSp="0" showMasterPhAnim="0">
-  <p:cSld>
-    <p:spTree>
-      <p:nvGrpSpPr>
-        <p:cNvPr id="1" name="Shape 141"/>
-        <p:cNvGrpSpPr/>
-        <p:nvPr/>
-      </p:nvGrpSpPr>
-      <p:grpSpPr>
-        <a:xfrm>
-          <a:off x="0" y="0"/>
-          <a:ext cx="0" cy="0"/>
-          <a:chOff x="0" y="0"/>
-          <a:chExt cx="0" cy="0"/>
-        </a:xfrm>
-      </p:grpSpPr>
-      <p:sp>
-        <p:nvSpPr>
-          <p:cNvPr id="142" name="Google Shape;142;g6d8ed670a8_0_28:notes"/>
-          <p:cNvSpPr>
-            <a:spLocks noGrp="1" noRot="1" noChangeAspect="1"/>
-          </p:cNvSpPr>
-          <p:nvPr>
-            <p:ph type="sldImg" idx="2"/>
-          </p:nvPr>
-        </p:nvSpPr>
-        <p:spPr>
-          <a:xfrm>
-            <a:off x="381000" y="685800"/>
-            <a:ext cx="6096000" cy="3429000"/>
-          </a:xfrm>
-          <a:custGeom>
-            <a:avLst/>
-            <a:gdLst/>
-            <a:ahLst/>
-            <a:cxnLst/>
-            <a:rect l="l" t="t" r="r" b="b"/>
-            <a:pathLst>
-              <a:path w="120000" h="120000" extrusionOk="0">
-                <a:moveTo>
-                  <a:pt x="0" y="0"/>
-                </a:moveTo>
-                <a:lnTo>
-                  <a:pt x="120000" y="0"/>
-                </a:lnTo>
-                <a:lnTo>
-                  <a:pt x="120000" y="120000"/>
-                </a:lnTo>
-                <a:lnTo>
-                  <a:pt x="0" y="120000"/>
-                </a:lnTo>
-                <a:close/>
-              </a:path>
-            </a:pathLst>
-          </a:custGeom>
-        </p:spPr>
-      </p:sp>
-      <p:sp>
-        <p:nvSpPr>
-          <p:cNvPr id="143" name="Google Shape;143;g6d8ed670a8_0_28:notes"/>
-          <p:cNvSpPr txBox="1">
-            <a:spLocks noGrp="1"/>
-          </p:cNvSpPr>
-          <p:nvPr>
-            <p:ph type="body" idx="1"/>
-          </p:nvPr>
-        </p:nvSpPr>
-        <p:spPr>
-          <a:xfrm>
-            <a:off x="685800" y="4343400"/>
-            <a:ext cx="5486400" cy="4114800"/>
-          </a:xfrm>
-          <a:prstGeom prst="rect">
-            <a:avLst/>
-          </a:prstGeom>
-        </p:spPr>
-        <p:txBody>
-          <a:bodyPr spcFirstLastPara="1" wrap="square" lIns="91425" tIns="91425" rIns="91425" bIns="91425" anchor="t" anchorCtr="0">
-            <a:noAutofit/>
-          </a:bodyPr>
-          <a:lstStyle/>
-          <a:p>
-            <a:pPr marL="0" lvl="0" indent="0" algn="l" rtl="0">
-              <a:spcBef>
-                <a:spcPts val="0"/>
-              </a:spcBef>
-              <a:spcAft>
-                <a:spcPts val="0"/>
-              </a:spcAft>
-              <a:buNone/>
-            </a:pPr>
-            <a:endParaRPr/>
-          </a:p>
-        </p:txBody>
-      </p:sp>
-    </p:spTree>
-  </p:cSld>
-  <p:clrMapOvr>
-    <a:masterClrMapping/>
-  </p:clrMapOvr>
-</p:notes>
-</file>
-
-<file path=ppt/notesSlides/notesSlide12.xml><?xml version="1.0" encoding="utf-8"?>
-<p:notes xmlns:a="http://schemas.openxmlformats.org/drawingml/2006/main" xmlns:r="http://schemas.openxmlformats.org/officeDocument/2006/relationships" xmlns:p="http://schemas.openxmlformats.org/presentationml/2006/main" showMasterSp="0" showMasterPhAnim="0">
-  <p:cSld>
-    <p:spTree>
-      <p:nvGrpSpPr>
         <p:cNvPr id="1" name="Shape 154"/>
         <p:cNvGrpSpPr/>
         <p:nvPr/>
@@ -6156,7 +5941,7 @@
 </p:notes>
 </file>
 
-<file path=ppt/notesSlides/notesSlide13.xml><?xml version="1.0" encoding="utf-8"?>
+<file path=ppt/notesSlides/notesSlide11.xml><?xml version="1.0" encoding="utf-8"?>
 <p:notes xmlns:a="http://schemas.openxmlformats.org/drawingml/2006/main" xmlns:r="http://schemas.openxmlformats.org/officeDocument/2006/relationships" xmlns:p="http://schemas.openxmlformats.org/presentationml/2006/main" showMasterSp="0" showMasterPhAnim="0">
   <p:cSld>
     <p:spTree>
@@ -6260,7 +6045,7 @@
 </p:notes>
 </file>
 
-<file path=ppt/notesSlides/notesSlide14.xml><?xml version="1.0" encoding="utf-8"?>
+<file path=ppt/notesSlides/notesSlide12.xml><?xml version="1.0" encoding="utf-8"?>
 <p:notes xmlns:a="http://schemas.openxmlformats.org/drawingml/2006/main" xmlns:r="http://schemas.openxmlformats.org/officeDocument/2006/relationships" xmlns:p="http://schemas.openxmlformats.org/presentationml/2006/main" showMasterSp="0" showMasterPhAnim="0">
   <p:cSld>
     <p:spTree>
@@ -6364,7 +6149,7 @@
 </p:notes>
 </file>
 
-<file path=ppt/notesSlides/notesSlide15.xml><?xml version="1.0" encoding="utf-8"?>
+<file path=ppt/notesSlides/notesSlide13.xml><?xml version="1.0" encoding="utf-8"?>
 <p:notes xmlns:a="http://schemas.openxmlformats.org/drawingml/2006/main" xmlns:r="http://schemas.openxmlformats.org/officeDocument/2006/relationships" xmlns:p="http://schemas.openxmlformats.org/presentationml/2006/main" showMasterSp="0" showMasterPhAnim="0">
   <p:cSld>
     <p:spTree>
@@ -6468,7 +6253,7 @@
 </p:notes>
 </file>
 
-<file path=ppt/notesSlides/notesSlide16.xml><?xml version="1.0" encoding="utf-8"?>
+<file path=ppt/notesSlides/notesSlide14.xml><?xml version="1.0" encoding="utf-8"?>
 <p:notes xmlns:a="http://schemas.openxmlformats.org/drawingml/2006/main" xmlns:r="http://schemas.openxmlformats.org/officeDocument/2006/relationships" xmlns:p="http://schemas.openxmlformats.org/presentationml/2006/main" showMasterSp="0" showMasterPhAnim="0">
   <p:cSld>
     <p:spTree>
@@ -7209,110 +6994,6 @@
   <p:cSld>
     <p:spTree>
       <p:nvGrpSpPr>
-        <p:cNvPr id="1" name="Shape 127"/>
-        <p:cNvGrpSpPr/>
-        <p:nvPr/>
-      </p:nvGrpSpPr>
-      <p:grpSpPr>
-        <a:xfrm>
-          <a:off x="0" y="0"/>
-          <a:ext cx="0" cy="0"/>
-          <a:chOff x="0" y="0"/>
-          <a:chExt cx="0" cy="0"/>
-        </a:xfrm>
-      </p:grpSpPr>
-      <p:sp>
-        <p:nvSpPr>
-          <p:cNvPr id="128" name="Google Shape;128;g6d8ed670a8_0_72:notes"/>
-          <p:cNvSpPr>
-            <a:spLocks noGrp="1" noRot="1" noChangeAspect="1"/>
-          </p:cNvSpPr>
-          <p:nvPr>
-            <p:ph type="sldImg" idx="2"/>
-          </p:nvPr>
-        </p:nvSpPr>
-        <p:spPr>
-          <a:xfrm>
-            <a:off x="381000" y="685800"/>
-            <a:ext cx="6096000" cy="3429000"/>
-          </a:xfrm>
-          <a:custGeom>
-            <a:avLst/>
-            <a:gdLst/>
-            <a:ahLst/>
-            <a:cxnLst/>
-            <a:rect l="l" t="t" r="r" b="b"/>
-            <a:pathLst>
-              <a:path w="120000" h="120000" extrusionOk="0">
-                <a:moveTo>
-                  <a:pt x="0" y="0"/>
-                </a:moveTo>
-                <a:lnTo>
-                  <a:pt x="120000" y="0"/>
-                </a:lnTo>
-                <a:lnTo>
-                  <a:pt x="120000" y="120000"/>
-                </a:lnTo>
-                <a:lnTo>
-                  <a:pt x="0" y="120000"/>
-                </a:lnTo>
-                <a:close/>
-              </a:path>
-            </a:pathLst>
-          </a:custGeom>
-        </p:spPr>
-      </p:sp>
-      <p:sp>
-        <p:nvSpPr>
-          <p:cNvPr id="129" name="Google Shape;129;g6d8ed670a8_0_72:notes"/>
-          <p:cNvSpPr txBox="1">
-            <a:spLocks noGrp="1"/>
-          </p:cNvSpPr>
-          <p:nvPr>
-            <p:ph type="body" idx="1"/>
-          </p:nvPr>
-        </p:nvSpPr>
-        <p:spPr>
-          <a:xfrm>
-            <a:off x="685800" y="4343400"/>
-            <a:ext cx="5486400" cy="4114800"/>
-          </a:xfrm>
-          <a:prstGeom prst="rect">
-            <a:avLst/>
-          </a:prstGeom>
-        </p:spPr>
-        <p:txBody>
-          <a:bodyPr spcFirstLastPara="1" wrap="square" lIns="91425" tIns="91425" rIns="91425" bIns="91425" anchor="t" anchorCtr="0">
-            <a:noAutofit/>
-          </a:bodyPr>
-          <a:lstStyle/>
-          <a:p>
-            <a:pPr marL="0" lvl="0" indent="0" algn="l" rtl="0">
-              <a:spcBef>
-                <a:spcPts val="0"/>
-              </a:spcBef>
-              <a:spcAft>
-                <a:spcPts val="0"/>
-              </a:spcAft>
-              <a:buNone/>
-            </a:pPr>
-            <a:endParaRPr/>
-          </a:p>
-        </p:txBody>
-      </p:sp>
-    </p:spTree>
-  </p:cSld>
-  <p:clrMapOvr>
-    <a:masterClrMapping/>
-  </p:clrMapOvr>
-</p:notes>
-</file>
-
-<file path=ppt/notesSlides/notesSlide9.xml><?xml version="1.0" encoding="utf-8"?>
-<p:notes xmlns:a="http://schemas.openxmlformats.org/drawingml/2006/main" xmlns:r="http://schemas.openxmlformats.org/officeDocument/2006/relationships" xmlns:p="http://schemas.openxmlformats.org/presentationml/2006/main" showMasterSp="0" showMasterPhAnim="0">
-  <p:cSld>
-    <p:spTree>
-      <p:nvGrpSpPr>
         <p:cNvPr id="1" name="Shape 135"/>
         <p:cNvGrpSpPr/>
         <p:nvPr/>
@@ -7369,6 +7050,110 @@
       <p:sp>
         <p:nvSpPr>
           <p:cNvPr id="137" name="Google Shape;137;g6d8ed670a8_0_40:notes"/>
+          <p:cNvSpPr txBox="1">
+            <a:spLocks noGrp="1"/>
+          </p:cNvSpPr>
+          <p:nvPr>
+            <p:ph type="body" idx="1"/>
+          </p:nvPr>
+        </p:nvSpPr>
+        <p:spPr>
+          <a:xfrm>
+            <a:off x="685800" y="4343400"/>
+            <a:ext cx="5486400" cy="4114800"/>
+          </a:xfrm>
+          <a:prstGeom prst="rect">
+            <a:avLst/>
+          </a:prstGeom>
+        </p:spPr>
+        <p:txBody>
+          <a:bodyPr spcFirstLastPara="1" wrap="square" lIns="91425" tIns="91425" rIns="91425" bIns="91425" anchor="t" anchorCtr="0">
+            <a:noAutofit/>
+          </a:bodyPr>
+          <a:lstStyle/>
+          <a:p>
+            <a:pPr marL="0" lvl="0" indent="0" algn="l" rtl="0">
+              <a:spcBef>
+                <a:spcPts val="0"/>
+              </a:spcBef>
+              <a:spcAft>
+                <a:spcPts val="0"/>
+              </a:spcAft>
+              <a:buNone/>
+            </a:pPr>
+            <a:endParaRPr/>
+          </a:p>
+        </p:txBody>
+      </p:sp>
+    </p:spTree>
+  </p:cSld>
+  <p:clrMapOvr>
+    <a:masterClrMapping/>
+  </p:clrMapOvr>
+</p:notes>
+</file>
+
+<file path=ppt/notesSlides/notesSlide9.xml><?xml version="1.0" encoding="utf-8"?>
+<p:notes xmlns:a="http://schemas.openxmlformats.org/drawingml/2006/main" xmlns:r="http://schemas.openxmlformats.org/officeDocument/2006/relationships" xmlns:p="http://schemas.openxmlformats.org/presentationml/2006/main" showMasterSp="0" showMasterPhAnim="0">
+  <p:cSld>
+    <p:spTree>
+      <p:nvGrpSpPr>
+        <p:cNvPr id="1" name="Shape 141"/>
+        <p:cNvGrpSpPr/>
+        <p:nvPr/>
+      </p:nvGrpSpPr>
+      <p:grpSpPr>
+        <a:xfrm>
+          <a:off x="0" y="0"/>
+          <a:ext cx="0" cy="0"/>
+          <a:chOff x="0" y="0"/>
+          <a:chExt cx="0" cy="0"/>
+        </a:xfrm>
+      </p:grpSpPr>
+      <p:sp>
+        <p:nvSpPr>
+          <p:cNvPr id="142" name="Google Shape;142;g6d8ed670a8_0_28:notes"/>
+          <p:cNvSpPr>
+            <a:spLocks noGrp="1" noRot="1" noChangeAspect="1"/>
+          </p:cNvSpPr>
+          <p:nvPr>
+            <p:ph type="sldImg" idx="2"/>
+          </p:nvPr>
+        </p:nvSpPr>
+        <p:spPr>
+          <a:xfrm>
+            <a:off x="381000" y="685800"/>
+            <a:ext cx="6096000" cy="3429000"/>
+          </a:xfrm>
+          <a:custGeom>
+            <a:avLst/>
+            <a:gdLst/>
+            <a:ahLst/>
+            <a:cxnLst/>
+            <a:rect l="l" t="t" r="r" b="b"/>
+            <a:pathLst>
+              <a:path w="120000" h="120000" extrusionOk="0">
+                <a:moveTo>
+                  <a:pt x="0" y="0"/>
+                </a:moveTo>
+                <a:lnTo>
+                  <a:pt x="120000" y="0"/>
+                </a:lnTo>
+                <a:lnTo>
+                  <a:pt x="120000" y="120000"/>
+                </a:lnTo>
+                <a:lnTo>
+                  <a:pt x="0" y="120000"/>
+                </a:lnTo>
+                <a:close/>
+              </a:path>
+            </a:pathLst>
+          </a:custGeom>
+        </p:spPr>
+      </p:sp>
+      <p:sp>
+        <p:nvSpPr>
+          <p:cNvPr id="143" name="Google Shape;143;g6d8ed670a8_0_28:notes"/>
           <p:cNvSpPr txBox="1">
             <a:spLocks noGrp="1"/>
           </p:cNvSpPr>
@@ -12490,612 +12275,6 @@
   <p:cSld>
     <p:spTree>
       <p:nvGrpSpPr>
-        <p:cNvPr id="1" name="Shape 138"/>
-        <p:cNvGrpSpPr/>
-        <p:nvPr/>
-      </p:nvGrpSpPr>
-      <p:grpSpPr>
-        <a:xfrm>
-          <a:off x="0" y="0"/>
-          <a:ext cx="0" cy="0"/>
-          <a:chOff x="0" y="0"/>
-          <a:chExt cx="0" cy="0"/>
-        </a:xfrm>
-      </p:grpSpPr>
-      <p:sp>
-        <p:nvSpPr>
-          <p:cNvPr id="139" name="Google Shape;139;p23"/>
-          <p:cNvSpPr txBox="1">
-            <a:spLocks noGrp="1"/>
-          </p:cNvSpPr>
-          <p:nvPr>
-            <p:ph type="title"/>
-          </p:nvPr>
-        </p:nvSpPr>
-        <p:spPr>
-          <a:xfrm>
-            <a:off x="311700" y="445025"/>
-            <a:ext cx="8520600" cy="572700"/>
-          </a:xfrm>
-          <a:prstGeom prst="rect">
-            <a:avLst/>
-          </a:prstGeom>
-        </p:spPr>
-        <p:txBody>
-          <a:bodyPr spcFirstLastPara="1" wrap="square" lIns="91425" tIns="91425" rIns="91425" bIns="91425" anchor="t" anchorCtr="0">
-            <a:noAutofit/>
-          </a:bodyPr>
-          <a:lstStyle/>
-          <a:p>
-            <a:pPr marL="0" lvl="0" indent="0" algn="l" rtl="0">
-              <a:spcBef>
-                <a:spcPts val="0"/>
-              </a:spcBef>
-              <a:spcAft>
-                <a:spcPts val="0"/>
-              </a:spcAft>
-              <a:buNone/>
-            </a:pPr>
-            <a:r>
-              <a:rPr lang="en"/>
-              <a:t>Different components of the class</a:t>
-            </a:r>
-            <a:endParaRPr/>
-          </a:p>
-        </p:txBody>
-      </p:sp>
-      <p:sp>
-        <p:nvSpPr>
-          <p:cNvPr id="140" name="Google Shape;140;p23"/>
-          <p:cNvSpPr txBox="1">
-            <a:spLocks noGrp="1"/>
-          </p:cNvSpPr>
-          <p:nvPr>
-            <p:ph type="body" idx="1"/>
-          </p:nvPr>
-        </p:nvSpPr>
-        <p:spPr>
-          <a:xfrm>
-            <a:off x="311700" y="1152475"/>
-            <a:ext cx="8520600" cy="3416400"/>
-          </a:xfrm>
-          <a:prstGeom prst="rect">
-            <a:avLst/>
-          </a:prstGeom>
-        </p:spPr>
-        <p:txBody>
-          <a:bodyPr spcFirstLastPara="1" wrap="square" lIns="91425" tIns="91425" rIns="91425" bIns="91425" anchor="t" anchorCtr="0">
-            <a:noAutofit/>
-          </a:bodyPr>
-          <a:lstStyle/>
-          <a:p>
-            <a:pPr marL="457200" lvl="0" indent="-342900" algn="l" rtl="0">
-              <a:spcBef>
-                <a:spcPts val="800"/>
-              </a:spcBef>
-              <a:spcAft>
-                <a:spcPts val="0"/>
-              </a:spcAft>
-              <a:buClr>
-                <a:srgbClr val="FF0000"/>
-              </a:buClr>
-              <a:buSzPts val="1800"/>
-              <a:buChar char="●"/>
-            </a:pPr>
-            <a:r>
-              <a:rPr lang="en" b="1" dirty="0">
-                <a:solidFill>
-                  <a:srgbClr val="FF0000"/>
-                </a:solidFill>
-              </a:rPr>
-              <a:t>Group Projects – solving end to end (public policy) problems</a:t>
-            </a:r>
-            <a:endParaRPr b="1" dirty="0">
-              <a:solidFill>
-                <a:srgbClr val="FF0000"/>
-              </a:solidFill>
-            </a:endParaRPr>
-          </a:p>
-          <a:p>
-            <a:pPr marL="457200" lvl="0" indent="-342900" algn="l" rtl="0">
-              <a:spcBef>
-                <a:spcPts val="0"/>
-              </a:spcBef>
-              <a:spcAft>
-                <a:spcPts val="0"/>
-              </a:spcAft>
-              <a:buClr>
-                <a:schemeClr val="dk1"/>
-              </a:buClr>
-              <a:buSzPts val="1800"/>
-              <a:buChar char="●"/>
-            </a:pPr>
-            <a:r>
-              <a:rPr lang="en" dirty="0">
-                <a:solidFill>
-                  <a:schemeClr val="dk1"/>
-                </a:solidFill>
-              </a:rPr>
-              <a:t>Lectures</a:t>
-            </a:r>
-          </a:p>
-          <a:p>
-            <a:pPr marL="457200" lvl="0" indent="-342900" algn="l" rtl="0">
-              <a:spcBef>
-                <a:spcPts val="0"/>
-              </a:spcBef>
-              <a:spcAft>
-                <a:spcPts val="0"/>
-              </a:spcAft>
-              <a:buClr>
-                <a:schemeClr val="dk1"/>
-              </a:buClr>
-              <a:buSzPts val="1800"/>
-              <a:buChar char="●"/>
-            </a:pPr>
-            <a:r>
-              <a:rPr lang="en" dirty="0">
-                <a:solidFill>
-                  <a:schemeClr val="dk1"/>
-                </a:solidFill>
-              </a:rPr>
-              <a:t>Tech Sessions</a:t>
-            </a:r>
-            <a:endParaRPr dirty="0">
-              <a:solidFill>
-                <a:schemeClr val="dk1"/>
-              </a:solidFill>
-            </a:endParaRPr>
-          </a:p>
-          <a:p>
-            <a:pPr marL="457200" lvl="0" indent="-342900" algn="l" rtl="0">
-              <a:spcBef>
-                <a:spcPts val="0"/>
-              </a:spcBef>
-              <a:spcAft>
-                <a:spcPts val="0"/>
-              </a:spcAft>
-              <a:buClr>
-                <a:schemeClr val="dk1"/>
-              </a:buClr>
-              <a:buSzPts val="1800"/>
-              <a:buChar char="●"/>
-            </a:pPr>
-            <a:r>
-              <a:rPr lang="en" dirty="0">
-                <a:solidFill>
-                  <a:schemeClr val="dk1"/>
-                </a:solidFill>
-              </a:rPr>
-              <a:t>Readings/Videos</a:t>
-            </a:r>
-            <a:endParaRPr dirty="0">
-              <a:solidFill>
-                <a:schemeClr val="dk1"/>
-              </a:solidFill>
-            </a:endParaRPr>
-          </a:p>
-          <a:p>
-            <a:pPr marL="457200" lvl="0" indent="-342900" algn="l" rtl="0">
-              <a:spcBef>
-                <a:spcPts val="0"/>
-              </a:spcBef>
-              <a:spcAft>
-                <a:spcPts val="0"/>
-              </a:spcAft>
-              <a:buClr>
-                <a:schemeClr val="dk1"/>
-              </a:buClr>
-              <a:buSzPts val="1800"/>
-              <a:buChar char="●"/>
-            </a:pPr>
-            <a:r>
-              <a:rPr lang="en" dirty="0">
-                <a:solidFill>
-                  <a:schemeClr val="dk1"/>
-                </a:solidFill>
-              </a:rPr>
-              <a:t>Student Presentations</a:t>
-            </a:r>
-            <a:endParaRPr dirty="0">
-              <a:solidFill>
-                <a:schemeClr val="dk1"/>
-              </a:solidFill>
-            </a:endParaRPr>
-          </a:p>
-          <a:p>
-            <a:pPr marL="457200" lvl="0" indent="-342900" algn="l" rtl="0">
-              <a:spcBef>
-                <a:spcPts val="0"/>
-              </a:spcBef>
-              <a:spcAft>
-                <a:spcPts val="0"/>
-              </a:spcAft>
-              <a:buClr>
-                <a:schemeClr val="dk1"/>
-              </a:buClr>
-              <a:buSzPts val="1800"/>
-              <a:buChar char="●"/>
-            </a:pPr>
-            <a:r>
-              <a:rPr lang="en" dirty="0">
-                <a:solidFill>
-                  <a:schemeClr val="dk1"/>
-                </a:solidFill>
-              </a:rPr>
-              <a:t>Discussions</a:t>
-            </a:r>
-            <a:endParaRPr dirty="0">
-              <a:solidFill>
-                <a:schemeClr val="dk1"/>
-              </a:solidFill>
-            </a:endParaRPr>
-          </a:p>
-          <a:p>
-            <a:pPr marL="457200" lvl="0" indent="-342900" algn="l" rtl="0">
-              <a:spcBef>
-                <a:spcPts val="0"/>
-              </a:spcBef>
-              <a:spcAft>
-                <a:spcPts val="0"/>
-              </a:spcAft>
-              <a:buClr>
-                <a:schemeClr val="dk1"/>
-              </a:buClr>
-              <a:buSzPts val="1800"/>
-              <a:buChar char="●"/>
-            </a:pPr>
-            <a:r>
-              <a:rPr lang="en" dirty="0">
-                <a:solidFill>
-                  <a:schemeClr val="dk1"/>
-                </a:solidFill>
-              </a:rPr>
-              <a:t>Assignments (mostly project-related)</a:t>
-            </a:r>
-            <a:endParaRPr dirty="0">
-              <a:solidFill>
-                <a:schemeClr val="dk1"/>
-              </a:solidFill>
-            </a:endParaRPr>
-          </a:p>
-          <a:p>
-            <a:pPr marL="0" lvl="0" indent="0" algn="l" rtl="0">
-              <a:spcBef>
-                <a:spcPts val="0"/>
-              </a:spcBef>
-              <a:spcAft>
-                <a:spcPts val="1600"/>
-              </a:spcAft>
-              <a:buNone/>
-            </a:pPr>
-            <a:endParaRPr dirty="0"/>
-          </a:p>
-        </p:txBody>
-      </p:sp>
-    </p:spTree>
-  </p:cSld>
-  <p:clrMapOvr>
-    <a:masterClrMapping/>
-  </p:clrMapOvr>
-</p:sld>
-</file>
-
-<file path=ppt/slides/slide11.xml><?xml version="1.0" encoding="utf-8"?>
-<p:sld xmlns:a="http://schemas.openxmlformats.org/drawingml/2006/main" xmlns:r="http://schemas.openxmlformats.org/officeDocument/2006/relationships" xmlns:p="http://schemas.openxmlformats.org/presentationml/2006/main">
-  <p:cSld>
-    <p:spTree>
-      <p:nvGrpSpPr>
-        <p:cNvPr id="1" name="Shape 138"/>
-        <p:cNvGrpSpPr/>
-        <p:nvPr/>
-      </p:nvGrpSpPr>
-      <p:grpSpPr>
-        <a:xfrm>
-          <a:off x="0" y="0"/>
-          <a:ext cx="0" cy="0"/>
-          <a:chOff x="0" y="0"/>
-          <a:chExt cx="0" cy="0"/>
-        </a:xfrm>
-      </p:grpSpPr>
-      <p:sp>
-        <p:nvSpPr>
-          <p:cNvPr id="139" name="Google Shape;139;p23"/>
-          <p:cNvSpPr txBox="1">
-            <a:spLocks noGrp="1"/>
-          </p:cNvSpPr>
-          <p:nvPr>
-            <p:ph type="title"/>
-          </p:nvPr>
-        </p:nvSpPr>
-        <p:spPr>
-          <a:xfrm>
-            <a:off x="311700" y="445025"/>
-            <a:ext cx="8520600" cy="572700"/>
-          </a:xfrm>
-          <a:prstGeom prst="rect">
-            <a:avLst/>
-          </a:prstGeom>
-        </p:spPr>
-        <p:txBody>
-          <a:bodyPr spcFirstLastPara="1" wrap="square" lIns="91425" tIns="91425" rIns="91425" bIns="91425" anchor="t" anchorCtr="0">
-            <a:noAutofit/>
-          </a:bodyPr>
-          <a:lstStyle/>
-          <a:p>
-            <a:pPr marL="0" lvl="0" indent="0" algn="l" rtl="0">
-              <a:spcBef>
-                <a:spcPts val="0"/>
-              </a:spcBef>
-              <a:spcAft>
-                <a:spcPts val="0"/>
-              </a:spcAft>
-              <a:buNone/>
-            </a:pPr>
-            <a:r>
-              <a:rPr lang="en" dirty="0"/>
-              <a:t>Due Next Tuesday: Data Loading Assignment</a:t>
-            </a:r>
-            <a:endParaRPr dirty="0"/>
-          </a:p>
-        </p:txBody>
-      </p:sp>
-      <p:sp>
-        <p:nvSpPr>
-          <p:cNvPr id="140" name="Google Shape;140;p23"/>
-          <p:cNvSpPr txBox="1">
-            <a:spLocks noGrp="1"/>
-          </p:cNvSpPr>
-          <p:nvPr>
-            <p:ph type="body" idx="1"/>
-          </p:nvPr>
-        </p:nvSpPr>
-        <p:spPr>
-          <a:xfrm>
-            <a:off x="311700" y="1288273"/>
-            <a:ext cx="8520600" cy="3416400"/>
-          </a:xfrm>
-          <a:prstGeom prst="rect">
-            <a:avLst/>
-          </a:prstGeom>
-        </p:spPr>
-        <p:txBody>
-          <a:bodyPr spcFirstLastPara="1" wrap="square" lIns="91425" tIns="91425" rIns="91425" bIns="91425" anchor="t" anchorCtr="0">
-            <a:noAutofit/>
-          </a:bodyPr>
-          <a:lstStyle/>
-          <a:p>
-            <a:pPr marL="457200" lvl="0" indent="-342900" algn="l" rtl="0">
-              <a:spcBef>
-                <a:spcPts val="0"/>
-              </a:spcBef>
-              <a:spcAft>
-                <a:spcPts val="0"/>
-              </a:spcAft>
-              <a:buClr>
-                <a:schemeClr val="dk1"/>
-              </a:buClr>
-              <a:buSzPts val="1800"/>
-              <a:buChar char="●"/>
-            </a:pPr>
-            <a:r>
-              <a:rPr lang="en" dirty="0">
-                <a:solidFill>
-                  <a:schemeClr val="dk1"/>
-                </a:solidFill>
-              </a:rPr>
-              <a:t>Help us understand where everyone is with technical prerequisites</a:t>
-            </a:r>
-          </a:p>
-          <a:p>
-            <a:pPr marL="114300" lvl="0" indent="0" algn="l" rtl="0">
-              <a:spcBef>
-                <a:spcPts val="0"/>
-              </a:spcBef>
-              <a:spcAft>
-                <a:spcPts val="0"/>
-              </a:spcAft>
-              <a:buClr>
-                <a:schemeClr val="dk1"/>
-              </a:buClr>
-              <a:buSzPts val="1800"/>
-              <a:buNone/>
-            </a:pPr>
-            <a:endParaRPr lang="en" dirty="0">
-              <a:solidFill>
-                <a:schemeClr val="dk1"/>
-              </a:solidFill>
-            </a:endParaRPr>
-          </a:p>
-          <a:p>
-            <a:pPr marL="457200" lvl="0" indent="-342900" algn="l" rtl="0">
-              <a:spcBef>
-                <a:spcPts val="0"/>
-              </a:spcBef>
-              <a:spcAft>
-                <a:spcPts val="0"/>
-              </a:spcAft>
-              <a:buClr>
-                <a:schemeClr val="dk1"/>
-              </a:buClr>
-              <a:buSzPts val="1800"/>
-              <a:buChar char="●"/>
-            </a:pPr>
-            <a:r>
-              <a:rPr lang="en" dirty="0">
-                <a:solidFill>
-                  <a:schemeClr val="dk1"/>
-                </a:solidFill>
-              </a:rPr>
-              <a:t>Help you understand the tools and skills you’ll need for this class</a:t>
-            </a:r>
-          </a:p>
-          <a:p>
-            <a:pPr marL="114300" lvl="0" indent="0" algn="l" rtl="0">
-              <a:spcBef>
-                <a:spcPts val="0"/>
-              </a:spcBef>
-              <a:spcAft>
-                <a:spcPts val="0"/>
-              </a:spcAft>
-              <a:buClr>
-                <a:schemeClr val="dk1"/>
-              </a:buClr>
-              <a:buSzPts val="1800"/>
-              <a:buNone/>
-            </a:pPr>
-            <a:endParaRPr dirty="0">
-              <a:solidFill>
-                <a:schemeClr val="dk1"/>
-              </a:solidFill>
-            </a:endParaRPr>
-          </a:p>
-          <a:p>
-            <a:pPr marL="457200" lvl="0" indent="-342900" algn="l" rtl="0">
-              <a:spcBef>
-                <a:spcPts val="0"/>
-              </a:spcBef>
-              <a:spcAft>
-                <a:spcPts val="0"/>
-              </a:spcAft>
-              <a:buClr>
-                <a:schemeClr val="dk1"/>
-              </a:buClr>
-              <a:buSzPts val="1800"/>
-              <a:buChar char="●"/>
-            </a:pPr>
-            <a:r>
-              <a:rPr lang="en-US" dirty="0">
-                <a:solidFill>
-                  <a:schemeClr val="dk1"/>
-                </a:solidFill>
-              </a:rPr>
-              <a:t>Assignment is a bit vague intentionally</a:t>
-            </a:r>
-          </a:p>
-          <a:p>
-            <a:pPr marL="457200" lvl="0" indent="-342900" algn="l" rtl="0">
-              <a:spcBef>
-                <a:spcPts val="0"/>
-              </a:spcBef>
-              <a:spcAft>
-                <a:spcPts val="0"/>
-              </a:spcAft>
-              <a:buClr>
-                <a:schemeClr val="dk1"/>
-              </a:buClr>
-              <a:buSzPts val="1800"/>
-              <a:buChar char="●"/>
-            </a:pPr>
-            <a:endParaRPr lang="en-US" dirty="0">
-              <a:solidFill>
-                <a:schemeClr val="dk1"/>
-              </a:solidFill>
-            </a:endParaRPr>
-          </a:p>
-          <a:p>
-            <a:pPr marL="457200" lvl="0" indent="-342900" algn="l" rtl="0">
-              <a:spcBef>
-                <a:spcPts val="0"/>
-              </a:spcBef>
-              <a:spcAft>
-                <a:spcPts val="0"/>
-              </a:spcAft>
-              <a:buClr>
-                <a:schemeClr val="dk1"/>
-              </a:buClr>
-              <a:buSzPts val="1800"/>
-              <a:buChar char="●"/>
-            </a:pPr>
-            <a:r>
-              <a:rPr lang="en-US" dirty="0">
-                <a:solidFill>
-                  <a:schemeClr val="dk1"/>
-                </a:solidFill>
-              </a:rPr>
-              <a:t>Note it’s a different database than we’ll use for the projects</a:t>
-            </a:r>
-          </a:p>
-          <a:p>
-            <a:pPr marL="114300" lvl="0" indent="0" algn="l" rtl="0">
-              <a:spcBef>
-                <a:spcPts val="0"/>
-              </a:spcBef>
-              <a:spcAft>
-                <a:spcPts val="0"/>
-              </a:spcAft>
-              <a:buClr>
-                <a:schemeClr val="dk1"/>
-              </a:buClr>
-              <a:buSzPts val="1800"/>
-              <a:buNone/>
-            </a:pPr>
-            <a:endParaRPr lang="en-US" dirty="0">
-              <a:solidFill>
-                <a:schemeClr val="dk1"/>
-              </a:solidFill>
-            </a:endParaRPr>
-          </a:p>
-          <a:p>
-            <a:pPr marL="457200" lvl="0" indent="-342900" algn="l" rtl="0">
-              <a:spcBef>
-                <a:spcPts val="0"/>
-              </a:spcBef>
-              <a:spcAft>
-                <a:spcPts val="0"/>
-              </a:spcAft>
-              <a:buClr>
-                <a:schemeClr val="dk1"/>
-              </a:buClr>
-              <a:buSzPts val="1800"/>
-              <a:buChar char="●"/>
-            </a:pPr>
-            <a:r>
-              <a:rPr lang="en-US" dirty="0">
-                <a:solidFill>
-                  <a:schemeClr val="dk1"/>
-                </a:solidFill>
-              </a:rPr>
-              <a:t>Grading won’t be too granular, focus on initial check</a:t>
-            </a:r>
-            <a:endParaRPr dirty="0">
-              <a:solidFill>
-                <a:schemeClr val="dk1"/>
-              </a:solidFill>
-            </a:endParaRPr>
-          </a:p>
-          <a:p>
-            <a:pPr marL="0" lvl="0" indent="0" algn="l" rtl="0">
-              <a:spcBef>
-                <a:spcPts val="0"/>
-              </a:spcBef>
-              <a:spcAft>
-                <a:spcPts val="1600"/>
-              </a:spcAft>
-              <a:buNone/>
-            </a:pPr>
-            <a:endParaRPr dirty="0"/>
-          </a:p>
-        </p:txBody>
-      </p:sp>
-    </p:spTree>
-    <p:extLst>
-      <p:ext uri="{BB962C8B-B14F-4D97-AF65-F5344CB8AC3E}">
-        <p14:creationId xmlns:p14="http://schemas.microsoft.com/office/powerpoint/2010/main" val="2915359869"/>
-      </p:ext>
-    </p:extLst>
-  </p:cSld>
-  <p:clrMapOvr>
-    <a:masterClrMapping/>
-  </p:clrMapOvr>
-</p:sld>
-</file>
-
-<file path=ppt/slides/slide12.xml><?xml version="1.0" encoding="utf-8"?>
-<p:sld xmlns:a="http://schemas.openxmlformats.org/drawingml/2006/main" xmlns:r="http://schemas.openxmlformats.org/officeDocument/2006/relationships" xmlns:p="http://schemas.openxmlformats.org/presentationml/2006/main">
-  <p:cSld>
-    <p:spTree>
-      <p:nvGrpSpPr>
         <p:cNvPr id="1" name="Shape 144"/>
         <p:cNvGrpSpPr/>
         <p:nvPr/>
@@ -13371,7 +12550,7 @@
                   <a:schemeClr val="dk1"/>
                 </a:solidFill>
               </a:rPr>
-              <a:t>TAs</a:t>
+              <a:t>TA support</a:t>
             </a:r>
             <a:endParaRPr sz="1600" dirty="0">
               <a:solidFill>
@@ -13401,7 +12580,7 @@
 </p:sld>
 </file>
 
-<file path=ppt/slides/slide13.xml><?xml version="1.0" encoding="utf-8"?>
+<file path=ppt/slides/slide11.xml><?xml version="1.0" encoding="utf-8"?>
 <p:sld xmlns:a="http://schemas.openxmlformats.org/drawingml/2006/main" xmlns:r="http://schemas.openxmlformats.org/officeDocument/2006/relationships" xmlns:p="http://schemas.openxmlformats.org/presentationml/2006/main">
   <p:cSld>
     <p:spTree>
@@ -13501,15 +12680,7 @@
             </a:r>
             <a:r>
               <a:rPr lang="en-US" dirty="0"/>
-              <a:t>W</a:t>
-            </a:r>
-            <a:r>
-              <a:rPr lang="en" dirty="0" err="1"/>
-              <a:t>ednesday</a:t>
-            </a:r>
-            <a:r>
-              <a:rPr lang="en" dirty="0"/>
-              <a:t> 6pm</a:t>
+              <a:t>tomorrow</a:t>
             </a:r>
             <a:endParaRPr dirty="0"/>
           </a:p>
@@ -13563,7 +12734,7 @@
             </a:pPr>
             <a:r>
               <a:rPr lang="en" dirty="0"/>
-              <a:t>We’ll make 3-4 person teams at the end of this week to balance your preferences, experience, and background</a:t>
+              <a:t>We’ll make teams at the end of this week to balance your preferences, experience, and background</a:t>
             </a:r>
             <a:br>
               <a:rPr lang="en" dirty="0"/>
@@ -13626,7 +12797,7 @@
 </p:sld>
 </file>
 
-<file path=ppt/slides/slide14.xml><?xml version="1.0" encoding="utf-8"?>
+<file path=ppt/slides/slide12.xml><?xml version="1.0" encoding="utf-8"?>
 <p:sld xmlns:a="http://schemas.openxmlformats.org/drawingml/2006/main" xmlns:r="http://schemas.openxmlformats.org/officeDocument/2006/relationships" xmlns:p="http://schemas.openxmlformats.org/presentationml/2006/main">
   <p:cSld>
     <p:spTree>
@@ -13643,61 +12814,6 @@
           <a:chExt cx="0" cy="0"/>
         </a:xfrm>
       </p:grpSpPr>
-      <p:sp>
-        <p:nvSpPr>
-          <p:cNvPr id="4" name="Rectangle 3">
-            <a:extLst>
-              <a:ext uri="{FF2B5EF4-FFF2-40B4-BE49-F238E27FC236}">
-                <a16:creationId xmlns:a16="http://schemas.microsoft.com/office/drawing/2014/main" id="{8FC8C874-45C3-E346-83EB-04B29D9098DB}"/>
-              </a:ext>
-            </a:extLst>
-          </p:cNvPr>
-          <p:cNvSpPr/>
-          <p:nvPr/>
-        </p:nvSpPr>
-        <p:spPr>
-          <a:xfrm>
-            <a:off x="108642" y="1095475"/>
-            <a:ext cx="8917663" cy="915532"/>
-          </a:xfrm>
-          <a:prstGeom prst="rect">
-            <a:avLst/>
-          </a:prstGeom>
-          <a:solidFill>
-            <a:schemeClr val="accent5">
-              <a:lumMod val="20000"/>
-              <a:lumOff val="80000"/>
-            </a:schemeClr>
-          </a:solidFill>
-          <a:ln>
-            <a:noFill/>
-          </a:ln>
-        </p:spPr>
-        <p:style>
-          <a:lnRef idx="2">
-            <a:schemeClr val="accent1">
-              <a:shade val="50000"/>
-            </a:schemeClr>
-          </a:lnRef>
-          <a:fillRef idx="1">
-            <a:schemeClr val="accent1"/>
-          </a:fillRef>
-          <a:effectRef idx="0">
-            <a:schemeClr val="accent1"/>
-          </a:effectRef>
-          <a:fontRef idx="minor">
-            <a:schemeClr val="lt1"/>
-          </a:fontRef>
-        </p:style>
-        <p:txBody>
-          <a:bodyPr rtlCol="0" anchor="ctr"/>
-          <a:lstStyle/>
-          <a:p>
-            <a:pPr algn="ctr"/>
-            <a:endParaRPr lang="en-US" dirty="0"/>
-          </a:p>
-        </p:txBody>
-      </p:sp>
       <p:sp>
         <p:nvSpPr>
           <p:cNvPr id="164" name="Google Shape;164;p27"/>
@@ -13740,92 +12856,6 @@
           </a:p>
         </p:txBody>
       </p:sp>
-      <p:pic>
-        <p:nvPicPr>
-          <p:cNvPr id="1026" name="Picture 2">
-            <a:extLst>
-              <a:ext uri="{FF2B5EF4-FFF2-40B4-BE49-F238E27FC236}">
-                <a16:creationId xmlns:a16="http://schemas.microsoft.com/office/drawing/2014/main" id="{098D2882-9DD9-6641-9FC0-DBE7D6B5114D}"/>
-              </a:ext>
-            </a:extLst>
-          </p:cNvPr>
-          <p:cNvPicPr>
-            <a:picLocks noChangeAspect="1" noChangeArrowheads="1"/>
-          </p:cNvPicPr>
-          <p:nvPr/>
-        </p:nvPicPr>
-        <p:blipFill>
-          <a:blip r:embed="rId3">
-            <a:extLst>
-              <a:ext uri="{28A0092B-C50C-407E-A947-70E740481C1C}">
-                <a14:useLocalDpi xmlns:a14="http://schemas.microsoft.com/office/drawing/2010/main" val="0"/>
-              </a:ext>
-            </a:extLst>
-          </a:blip>
-          <a:srcRect/>
-          <a:stretch>
-            <a:fillRect/>
-          </a:stretch>
-        </p:blipFill>
-        <p:spPr bwMode="auto">
-          <a:xfrm>
-            <a:off x="413862" y="1131691"/>
-            <a:ext cx="853624" cy="845017"/>
-          </a:xfrm>
-          <a:prstGeom prst="rect">
-            <a:avLst/>
-          </a:prstGeom>
-          <a:noFill/>
-          <a:extLst>
-            <a:ext uri="{909E8E84-426E-40DD-AFC4-6F175D3DCCD1}">
-              <a14:hiddenFill xmlns:a14="http://schemas.microsoft.com/office/drawing/2010/main">
-                <a:solidFill>
-                  <a:srgbClr val="FFFFFF"/>
-                </a:solidFill>
-              </a14:hiddenFill>
-            </a:ext>
-          </a:extLst>
-        </p:spPr>
-      </p:pic>
-      <p:sp>
-        <p:nvSpPr>
-          <p:cNvPr id="8" name="TextBox 7">
-            <a:extLst>
-              <a:ext uri="{FF2B5EF4-FFF2-40B4-BE49-F238E27FC236}">
-                <a16:creationId xmlns:a16="http://schemas.microsoft.com/office/drawing/2014/main" id="{4970649D-1957-1C4C-B86B-F0D0232CD214}"/>
-              </a:ext>
-            </a:extLst>
-          </p:cNvPr>
-          <p:cNvSpPr txBox="1"/>
-          <p:nvPr/>
-        </p:nvSpPr>
-        <p:spPr>
-          <a:xfrm>
-            <a:off x="1554600" y="1199298"/>
-            <a:ext cx="6925901" cy="707886"/>
-          </a:xfrm>
-          <a:prstGeom prst="rect">
-            <a:avLst/>
-          </a:prstGeom>
-          <a:noFill/>
-        </p:spPr>
-        <p:txBody>
-          <a:bodyPr wrap="square" rtlCol="0">
-            <a:spAutoFit/>
-          </a:bodyPr>
-          <a:lstStyle/>
-          <a:p>
-            <a:r>
-              <a:rPr lang="en-US" sz="2000" b="1" dirty="0">
-                <a:solidFill>
-                  <a:srgbClr val="002060"/>
-                </a:solidFill>
-              </a:rPr>
-              <a:t>Reducing hazardous waste violations by prioritizing environmental inspections</a:t>
-            </a:r>
-          </a:p>
-        </p:txBody>
-      </p:sp>
       <p:sp>
         <p:nvSpPr>
           <p:cNvPr id="15" name="Rectangle 14">
@@ -13840,7 +12870,7 @@
         </p:nvSpPr>
         <p:spPr>
           <a:xfrm>
-            <a:off x="113168" y="2114830"/>
+            <a:off x="113168" y="1837245"/>
             <a:ext cx="8917663" cy="915532"/>
           </a:xfrm>
           <a:prstGeom prst="rect">
@@ -13895,7 +12925,7 @@
         </p:nvSpPr>
         <p:spPr>
           <a:xfrm>
-            <a:off x="1559126" y="2218653"/>
+            <a:off x="1559126" y="1941068"/>
             <a:ext cx="6925901" cy="707886"/>
           </a:xfrm>
           <a:prstGeom prst="rect">
@@ -13915,7 +12945,7 @@
                   <a:srgbClr val="002060"/>
                 </a:solidFill>
               </a:rPr>
-              <a:t>Identifying students who are at risk of not graduating high school on time and need extra support</a:t>
+              <a:t>Providing proactive mental health support to individuals at risk of returning to Jail</a:t>
             </a:r>
           </a:p>
         </p:txBody>
@@ -13934,7 +12964,7 @@
         </p:nvSpPr>
         <p:spPr>
           <a:xfrm>
-            <a:off x="108642" y="3135868"/>
+            <a:off x="108642" y="3127704"/>
             <a:ext cx="8917663" cy="915532"/>
           </a:xfrm>
           <a:prstGeom prst="rect">
@@ -13989,7 +13019,7 @@
         </p:nvSpPr>
         <p:spPr>
           <a:xfrm>
-            <a:off x="1554600" y="3239691"/>
+            <a:off x="1554600" y="3231527"/>
             <a:ext cx="6925901" cy="707886"/>
           </a:xfrm>
           <a:prstGeom prst="rect">
@@ -14009,152 +13039,11 @@
                   <a:srgbClr val="002060"/>
                 </a:solidFill>
               </a:rPr>
-              <a:t>Identifying state bills that are likely to pass to support advocacy efforts</a:t>
+              <a:t>Identifying state bills that are likely to pass to support and prioritize advocacy efforts</a:t>
             </a:r>
           </a:p>
         </p:txBody>
       </p:sp>
-      <p:sp>
-        <p:nvSpPr>
-          <p:cNvPr id="21" name="Rectangle 20">
-            <a:extLst>
-              <a:ext uri="{FF2B5EF4-FFF2-40B4-BE49-F238E27FC236}">
-                <a16:creationId xmlns:a16="http://schemas.microsoft.com/office/drawing/2014/main" id="{2CF67727-9CDC-BC46-994B-E542B30F371A}"/>
-              </a:ext>
-            </a:extLst>
-          </p:cNvPr>
-          <p:cNvSpPr/>
-          <p:nvPr/>
-        </p:nvSpPr>
-        <p:spPr>
-          <a:xfrm>
-            <a:off x="108642" y="4189208"/>
-            <a:ext cx="8917663" cy="915532"/>
-          </a:xfrm>
-          <a:prstGeom prst="rect">
-            <a:avLst/>
-          </a:prstGeom>
-          <a:solidFill>
-            <a:schemeClr val="accent5">
-              <a:lumMod val="20000"/>
-              <a:lumOff val="80000"/>
-            </a:schemeClr>
-          </a:solidFill>
-          <a:ln>
-            <a:noFill/>
-          </a:ln>
-        </p:spPr>
-        <p:style>
-          <a:lnRef idx="2">
-            <a:schemeClr val="accent1">
-              <a:shade val="50000"/>
-            </a:schemeClr>
-          </a:lnRef>
-          <a:fillRef idx="1">
-            <a:schemeClr val="accent1"/>
-          </a:fillRef>
-          <a:effectRef idx="0">
-            <a:schemeClr val="accent1"/>
-          </a:effectRef>
-          <a:fontRef idx="minor">
-            <a:schemeClr val="lt1"/>
-          </a:fontRef>
-        </p:style>
-        <p:txBody>
-          <a:bodyPr rtlCol="0" anchor="ctr"/>
-          <a:lstStyle/>
-          <a:p>
-            <a:pPr algn="ctr"/>
-            <a:endParaRPr lang="en-US" dirty="0"/>
-          </a:p>
-        </p:txBody>
-      </p:sp>
-      <p:sp>
-        <p:nvSpPr>
-          <p:cNvPr id="23" name="TextBox 22">
-            <a:extLst>
-              <a:ext uri="{FF2B5EF4-FFF2-40B4-BE49-F238E27FC236}">
-                <a16:creationId xmlns:a16="http://schemas.microsoft.com/office/drawing/2014/main" id="{CD45D103-14FE-5F4C-BA64-95E7FD3E1F59}"/>
-              </a:ext>
-            </a:extLst>
-          </p:cNvPr>
-          <p:cNvSpPr txBox="1"/>
-          <p:nvPr/>
-        </p:nvSpPr>
-        <p:spPr>
-          <a:xfrm>
-            <a:off x="1554600" y="4293031"/>
-            <a:ext cx="6925901" cy="707886"/>
-          </a:xfrm>
-          <a:prstGeom prst="rect">
-            <a:avLst/>
-          </a:prstGeom>
-          <a:noFill/>
-        </p:spPr>
-        <p:txBody>
-          <a:bodyPr wrap="square" rtlCol="0">
-            <a:spAutoFit/>
-          </a:bodyPr>
-          <a:lstStyle/>
-          <a:p>
-            <a:r>
-              <a:rPr lang="en-US" sz="2000" b="1" dirty="0">
-                <a:solidFill>
-                  <a:srgbClr val="002060"/>
-                </a:solidFill>
-              </a:rPr>
-              <a:t>Increasing civic participation by identifying voters unlikely to vote to support voter turnout efforts</a:t>
-            </a:r>
-          </a:p>
-        </p:txBody>
-      </p:sp>
-      <p:pic>
-        <p:nvPicPr>
-          <p:cNvPr id="1034" name="Picture 10" descr="I Voted Today Stickers">
-            <a:extLst>
-              <a:ext uri="{FF2B5EF4-FFF2-40B4-BE49-F238E27FC236}">
-                <a16:creationId xmlns:a16="http://schemas.microsoft.com/office/drawing/2014/main" id="{4C2BBFBB-5C4D-F245-B6DA-D5B8C0E4CDEA}"/>
-              </a:ext>
-            </a:extLst>
-          </p:cNvPr>
-          <p:cNvPicPr>
-            <a:picLocks noChangeAspect="1" noChangeArrowheads="1"/>
-          </p:cNvPicPr>
-          <p:nvPr/>
-        </p:nvPicPr>
-        <p:blipFill>
-          <a:blip r:embed="rId4">
-            <a:extLst>
-              <a:ext uri="{28A0092B-C50C-407E-A947-70E740481C1C}">
-                <a14:useLocalDpi xmlns:a14="http://schemas.microsoft.com/office/drawing/2010/main" val="0"/>
-              </a:ext>
-            </a:extLst>
-          </a:blip>
-          <a:srcRect/>
-          <a:stretch>
-            <a:fillRect/>
-          </a:stretch>
-        </p:blipFill>
-        <p:spPr bwMode="auto">
-          <a:xfrm>
-            <a:off x="420050" y="4241251"/>
-            <a:ext cx="841248" cy="811445"/>
-          </a:xfrm>
-          <a:prstGeom prst="rect">
-            <a:avLst/>
-          </a:prstGeom>
-          <a:noFill/>
-          <a:extLst>
-            <a:ext uri="{909E8E84-426E-40DD-AFC4-6F175D3DCCD1}">
-              <a14:hiddenFill xmlns:a14="http://schemas.microsoft.com/office/drawing/2010/main">
-                <a:solidFill>
-                  <a:srgbClr val="FFFFFF"/>
-                </a:solidFill>
-              </a14:hiddenFill>
-            </a:ext>
-          </a:extLst>
-        </p:spPr>
-      </p:pic>
       <p:pic>
         <p:nvPicPr>
           <p:cNvPr id="1036" name="Picture 12" descr="Schoolhouse Rock Bill | Meme Generator">
@@ -14170,7 +13059,7 @@
           <p:nvPr/>
         </p:nvPicPr>
         <p:blipFill rotWithShape="1">
-          <a:blip r:embed="rId5">
+          <a:blip r:embed="rId3">
             <a:extLst>
               <a:ext uri="{28A0092B-C50C-407E-A947-70E740481C1C}">
                 <a14:useLocalDpi xmlns:a14="http://schemas.microsoft.com/office/drawing/2010/main" val="0"/>
@@ -14215,7 +13104,7 @@
           <p:nvPr/>
         </p:nvPicPr>
         <p:blipFill>
-          <a:blip r:embed="rId6">
+          <a:blip r:embed="rId4">
             <a:extLst>
               <a:ext uri="{28A0092B-C50C-407E-A947-70E740481C1C}">
                 <a14:useLocalDpi xmlns:a14="http://schemas.microsoft.com/office/drawing/2010/main" val="0"/>
@@ -14229,7 +13118,7 @@
         </p:blipFill>
         <p:spPr bwMode="auto">
           <a:xfrm>
-            <a:off x="194632" y="2156812"/>
+            <a:off x="194632" y="1879227"/>
             <a:ext cx="1292083" cy="841248"/>
           </a:xfrm>
           <a:prstGeom prst="rect">
@@ -14255,7 +13144,7 @@
 </p:sld>
 </file>
 
-<file path=ppt/slides/slide15.xml><?xml version="1.0" encoding="utf-8"?>
+<file path=ppt/slides/slide13.xml><?xml version="1.0" encoding="utf-8"?>
 <p:sld xmlns:a="http://schemas.openxmlformats.org/drawingml/2006/main" xmlns:r="http://schemas.openxmlformats.org/officeDocument/2006/relationships" xmlns:p="http://schemas.openxmlformats.org/presentationml/2006/main">
   <p:cSld>
     <p:spTree>
@@ -14547,7 +13436,7 @@
 </p:sld>
 </file>
 
-<file path=ppt/slides/slide16.xml><?xml version="1.0" encoding="utf-8"?>
+<file path=ppt/slides/slide14.xml><?xml version="1.0" encoding="utf-8"?>
 <p:sld xmlns:a="http://schemas.openxmlformats.org/drawingml/2006/main" xmlns:r="http://schemas.openxmlformats.org/officeDocument/2006/relationships" xmlns:p="http://schemas.openxmlformats.org/presentationml/2006/main">
   <p:cSld>
     <p:spTree>
@@ -14947,7 +13836,7 @@
 </p:sld>
 </file>
 
-<file path=ppt/slides/slide17.xml><?xml version="1.0" encoding="utf-8"?>
+<file path=ppt/slides/slide15.xml><?xml version="1.0" encoding="utf-8"?>
 <p:sld xmlns:a="http://schemas.openxmlformats.org/drawingml/2006/main" xmlns:r="http://schemas.openxmlformats.org/officeDocument/2006/relationships" xmlns:p="http://schemas.openxmlformats.org/presentationml/2006/main">
   <p:cSld>
     <p:spTree>
@@ -15144,17 +14033,6 @@
             <a:r>
               <a:rPr lang="en-US" sz="1600" dirty="0"/>
               <a:t>Due Wednesday: Project Preferences</a:t>
-            </a:r>
-          </a:p>
-          <a:p>
-            <a:pPr lvl="1">
-              <a:spcBef>
-                <a:spcPts val="0"/>
-              </a:spcBef>
-            </a:pPr>
-            <a:r>
-              <a:rPr lang="en-US" sz="1600" dirty="0"/>
-              <a:t>Due Next Tuesday: Data Loading Exercise</a:t>
             </a:r>
           </a:p>
           <a:p>
@@ -15273,16 +14151,12 @@
             </a:pPr>
             <a:r>
               <a:rPr lang="en" dirty="0"/>
-              <a:t>How to responsibly and effectively solve real-world problems using ML</a:t>
+              <a:t>How to responsibly and effectively solve real-world policy problems using ML</a:t>
             </a:r>
             <a:br>
               <a:rPr lang="en" dirty="0"/>
             </a:br>
-            <a:r>
-              <a:rPr lang="en" sz="1200" dirty="0"/>
-              <a:t>(with a focus on public policy and social good problems)</a:t>
-            </a:r>
-            <a:endParaRPr sz="1200" dirty="0"/>
+            <a:endParaRPr lang="en-US" sz="1200" dirty="0"/>
           </a:p>
           <a:p>
             <a:pPr marL="914400" lvl="1" indent="-342900" algn="l" rtl="0">
@@ -15299,24 +14173,12 @@
               <a:buChar char="○"/>
             </a:pPr>
             <a:r>
-              <a:rPr lang="en" sz="1800" dirty="0"/>
+              <a:rPr lang="en-US" sz="1800" dirty="0"/>
               <a:t>Understand the *entire* Machine Learning process </a:t>
             </a:r>
             <a:r>
-              <a:rPr lang="en" sz="1600" dirty="0"/>
-              <a:t>(and get hands-on e</a:t>
-            </a:r>
-            <a:r>
-              <a:rPr lang="en-US" sz="1600" dirty="0" err="1"/>
-              <a:t>xp</a:t>
-            </a:r>
-            <a:r>
-              <a:rPr lang="en" sz="1600" dirty="0" err="1"/>
-              <a:t>erience</a:t>
-            </a:r>
-            <a:r>
-              <a:rPr lang="en" sz="1600" dirty="0"/>
-              <a:t> doing most of it)</a:t>
+              <a:rPr lang="en-US" sz="1600" dirty="0"/>
+              <a:t>(and get hands-on experience doing most of it)</a:t>
             </a:r>
           </a:p>
           <a:p>
@@ -17337,36 +16199,6 @@
           </a:p>
         </p:txBody>
       </p:sp>
-      <p:pic>
-        <p:nvPicPr>
-          <p:cNvPr id="3" name="Picture 2">
-            <a:extLst>
-              <a:ext uri="{FF2B5EF4-FFF2-40B4-BE49-F238E27FC236}">
-                <a16:creationId xmlns:a16="http://schemas.microsoft.com/office/drawing/2014/main" id="{6D3338F0-740A-A04B-9FB1-0C03BF0D00BE}"/>
-              </a:ext>
-            </a:extLst>
-          </p:cNvPr>
-          <p:cNvPicPr>
-            <a:picLocks noChangeAspect="1"/>
-          </p:cNvPicPr>
-          <p:nvPr/>
-        </p:nvPicPr>
-        <p:blipFill>
-          <a:blip r:embed="rId3"/>
-          <a:stretch>
-            <a:fillRect/>
-          </a:stretch>
-        </p:blipFill>
-        <p:spPr>
-          <a:xfrm>
-            <a:off x="1107657" y="1081191"/>
-            <a:ext cx="6912784" cy="4062309"/>
-          </a:xfrm>
-          <a:prstGeom prst="rect">
-            <a:avLst/>
-          </a:prstGeom>
-        </p:spPr>
-      </p:pic>
     </p:spTree>
   </p:cSld>
   <p:clrMapOvr>
@@ -17380,7 +16212,7 @@
   <p:cSld>
     <p:spTree>
       <p:nvGrpSpPr>
-        <p:cNvPr id="1" name="Shape 130"/>
+        <p:cNvPr id="1" name="Shape 138"/>
         <p:cNvGrpSpPr/>
         <p:nvPr/>
       </p:nvGrpSpPr>
@@ -17394,7 +16226,7 @@
       </p:grpSpPr>
       <p:sp>
         <p:nvSpPr>
-          <p:cNvPr id="131" name="Google Shape;131;p22"/>
+          <p:cNvPr id="139" name="Google Shape;139;p23"/>
           <p:cNvSpPr txBox="1">
             <a:spLocks noGrp="1"/>
           </p:cNvSpPr>
@@ -17428,72 +16260,241 @@
             </a:pPr>
             <a:r>
               <a:rPr lang="en"/>
-              <a:t>Class Schedule</a:t>
+              <a:t>Different components of the class</a:t>
             </a:r>
             <a:endParaRPr/>
           </a:p>
         </p:txBody>
       </p:sp>
-      <p:pic>
-        <p:nvPicPr>
-          <p:cNvPr id="2" name="Picture 1">
-            <a:extLst>
-              <a:ext uri="{FF2B5EF4-FFF2-40B4-BE49-F238E27FC236}">
-                <a16:creationId xmlns:a16="http://schemas.microsoft.com/office/drawing/2014/main" id="{ED646594-2817-9444-B1A8-2B2E5060E6E5}"/>
-              </a:ext>
-            </a:extLst>
-          </p:cNvPr>
-          <p:cNvPicPr>
-            <a:picLocks noChangeAspect="1"/>
-          </p:cNvPicPr>
-          <p:nvPr/>
-        </p:nvPicPr>
-        <p:blipFill>
-          <a:blip r:embed="rId3"/>
-          <a:stretch>
-            <a:fillRect/>
-          </a:stretch>
-        </p:blipFill>
+      <p:sp>
+        <p:nvSpPr>
+          <p:cNvPr id="140" name="Google Shape;140;p23"/>
+          <p:cNvSpPr txBox="1">
+            <a:spLocks noGrp="1"/>
+          </p:cNvSpPr>
+          <p:nvPr>
+            <p:ph type="body" idx="1"/>
+          </p:nvPr>
+        </p:nvSpPr>
         <p:spPr>
           <a:xfrm>
-            <a:off x="580445" y="1303572"/>
-            <a:ext cx="7402664" cy="3839928"/>
+            <a:off x="311700" y="1152475"/>
+            <a:ext cx="8520600" cy="3416400"/>
           </a:xfrm>
           <a:prstGeom prst="rect">
             <a:avLst/>
           </a:prstGeom>
         </p:spPr>
-      </p:pic>
-      <p:pic>
-        <p:nvPicPr>
-          <p:cNvPr id="3" name="Picture 2">
-            <a:extLst>
-              <a:ext uri="{FF2B5EF4-FFF2-40B4-BE49-F238E27FC236}">
-                <a16:creationId xmlns:a16="http://schemas.microsoft.com/office/drawing/2014/main" id="{98795124-57DE-974F-AB1F-53FF30A28740}"/>
-              </a:ext>
-            </a:extLst>
-          </p:cNvPr>
-          <p:cNvPicPr>
-            <a:picLocks noChangeAspect="1"/>
-          </p:cNvPicPr>
-          <p:nvPr/>
-        </p:nvPicPr>
-        <p:blipFill>
-          <a:blip r:embed="rId4"/>
-          <a:stretch>
-            <a:fillRect/>
-          </a:stretch>
-        </p:blipFill>
-        <p:spPr>
-          <a:xfrm>
-            <a:off x="557997" y="1209100"/>
-            <a:ext cx="7435745" cy="196324"/>
-          </a:xfrm>
-          <a:prstGeom prst="rect">
-            <a:avLst/>
-          </a:prstGeom>
-        </p:spPr>
-      </p:pic>
+        <p:txBody>
+          <a:bodyPr spcFirstLastPara="1" wrap="square" lIns="91425" tIns="91425" rIns="91425" bIns="91425" anchor="t" anchorCtr="0">
+            <a:noAutofit/>
+          </a:bodyPr>
+          <a:lstStyle/>
+          <a:p>
+            <a:pPr marL="457200" lvl="0" indent="-342900" algn="l" rtl="0">
+              <a:spcBef>
+                <a:spcPts val="800"/>
+              </a:spcBef>
+              <a:spcAft>
+                <a:spcPts val="0"/>
+              </a:spcAft>
+              <a:buClr>
+                <a:srgbClr val="FF0000"/>
+              </a:buClr>
+              <a:buSzPts val="1800"/>
+              <a:buChar char="●"/>
+            </a:pPr>
+            <a:r>
+              <a:rPr lang="en" b="1" dirty="0">
+                <a:solidFill>
+                  <a:srgbClr val="FF0000"/>
+                </a:solidFill>
+              </a:rPr>
+              <a:t>Group Projects – solving end to end (public policy) problems</a:t>
+            </a:r>
+            <a:endParaRPr b="1" dirty="0">
+              <a:solidFill>
+                <a:srgbClr val="FF0000"/>
+              </a:solidFill>
+            </a:endParaRPr>
+          </a:p>
+          <a:p>
+            <a:pPr marL="457200" lvl="0" indent="-342900" algn="l" rtl="0">
+              <a:spcBef>
+                <a:spcPts val="0"/>
+              </a:spcBef>
+              <a:spcAft>
+                <a:spcPts val="0"/>
+              </a:spcAft>
+              <a:buClr>
+                <a:schemeClr val="dk1"/>
+              </a:buClr>
+              <a:buSzPts val="1800"/>
+              <a:buChar char="●"/>
+            </a:pPr>
+            <a:r>
+              <a:rPr lang="en" dirty="0">
+                <a:solidFill>
+                  <a:schemeClr val="dk1"/>
+                </a:solidFill>
+              </a:rPr>
+              <a:t>Lectures</a:t>
+            </a:r>
+          </a:p>
+          <a:p>
+            <a:pPr marL="457200" lvl="0" indent="-342900" algn="l" rtl="0">
+              <a:spcBef>
+                <a:spcPts val="0"/>
+              </a:spcBef>
+              <a:spcAft>
+                <a:spcPts val="0"/>
+              </a:spcAft>
+              <a:buClr>
+                <a:schemeClr val="dk1"/>
+              </a:buClr>
+              <a:buSzPts val="1800"/>
+              <a:buChar char="●"/>
+            </a:pPr>
+            <a:r>
+              <a:rPr lang="en" dirty="0">
+                <a:solidFill>
+                  <a:schemeClr val="dk1"/>
+                </a:solidFill>
+              </a:rPr>
+              <a:t>Tech Sessions</a:t>
+            </a:r>
+            <a:endParaRPr dirty="0">
+              <a:solidFill>
+                <a:schemeClr val="dk1"/>
+              </a:solidFill>
+            </a:endParaRPr>
+          </a:p>
+          <a:p>
+            <a:pPr marL="457200" lvl="0" indent="-342900" algn="l" rtl="0">
+              <a:spcBef>
+                <a:spcPts val="0"/>
+              </a:spcBef>
+              <a:spcAft>
+                <a:spcPts val="0"/>
+              </a:spcAft>
+              <a:buClr>
+                <a:schemeClr val="dk1"/>
+              </a:buClr>
+              <a:buSzPts val="1800"/>
+              <a:buChar char="●"/>
+            </a:pPr>
+            <a:r>
+              <a:rPr lang="en" dirty="0">
+                <a:solidFill>
+                  <a:schemeClr val="dk1"/>
+                </a:solidFill>
+              </a:rPr>
+              <a:t>Readings/Videos</a:t>
+            </a:r>
+            <a:endParaRPr dirty="0">
+              <a:solidFill>
+                <a:schemeClr val="dk1"/>
+              </a:solidFill>
+            </a:endParaRPr>
+          </a:p>
+          <a:p>
+            <a:pPr marL="457200" lvl="0" indent="-342900" algn="l" rtl="0">
+              <a:spcBef>
+                <a:spcPts val="0"/>
+              </a:spcBef>
+              <a:spcAft>
+                <a:spcPts val="0"/>
+              </a:spcAft>
+              <a:buClr>
+                <a:schemeClr val="dk1"/>
+              </a:buClr>
+              <a:buSzPts val="1800"/>
+              <a:buChar char="●"/>
+            </a:pPr>
+            <a:r>
+              <a:rPr lang="en" dirty="0">
+                <a:solidFill>
+                  <a:schemeClr val="dk1"/>
+                </a:solidFill>
+              </a:rPr>
+              <a:t>Student Presentations</a:t>
+            </a:r>
+            <a:endParaRPr dirty="0">
+              <a:solidFill>
+                <a:schemeClr val="dk1"/>
+              </a:solidFill>
+            </a:endParaRPr>
+          </a:p>
+          <a:p>
+            <a:pPr marL="457200" lvl="0" indent="-342900" algn="l" rtl="0">
+              <a:spcBef>
+                <a:spcPts val="0"/>
+              </a:spcBef>
+              <a:spcAft>
+                <a:spcPts val="0"/>
+              </a:spcAft>
+              <a:buClr>
+                <a:schemeClr val="dk1"/>
+              </a:buClr>
+              <a:buSzPts val="1800"/>
+              <a:buChar char="●"/>
+            </a:pPr>
+            <a:r>
+              <a:rPr lang="en" dirty="0">
+                <a:solidFill>
+                  <a:schemeClr val="dk1"/>
+                </a:solidFill>
+              </a:rPr>
+              <a:t>Discussions</a:t>
+            </a:r>
+            <a:endParaRPr dirty="0">
+              <a:solidFill>
+                <a:schemeClr val="dk1"/>
+              </a:solidFill>
+            </a:endParaRPr>
+          </a:p>
+          <a:p>
+            <a:pPr marL="457200" lvl="0" indent="-342900" algn="l" rtl="0">
+              <a:spcBef>
+                <a:spcPts val="0"/>
+              </a:spcBef>
+              <a:spcAft>
+                <a:spcPts val="0"/>
+              </a:spcAft>
+              <a:buClr>
+                <a:schemeClr val="dk1"/>
+              </a:buClr>
+              <a:buSzPts val="1800"/>
+              <a:buChar char="●"/>
+            </a:pPr>
+            <a:r>
+              <a:rPr lang="en" dirty="0">
+                <a:solidFill>
+                  <a:schemeClr val="dk1"/>
+                </a:solidFill>
+              </a:rPr>
+              <a:t>Assignments (mostly project-related)</a:t>
+            </a:r>
+            <a:endParaRPr dirty="0">
+              <a:solidFill>
+                <a:schemeClr val="dk1"/>
+              </a:solidFill>
+            </a:endParaRPr>
+          </a:p>
+          <a:p>
+            <a:pPr marL="0" lvl="0" indent="0" algn="l" rtl="0">
+              <a:spcBef>
+                <a:spcPts val="0"/>
+              </a:spcBef>
+              <a:spcAft>
+                <a:spcPts val="1600"/>
+              </a:spcAft>
+              <a:buNone/>
+            </a:pPr>
+            <a:endParaRPr dirty="0"/>
+          </a:p>
+        </p:txBody>
+      </p:sp>
     </p:spTree>
   </p:cSld>
   <p:clrMapOvr>

--- a/Lectures/01-ClassOverview.pptx
+++ b/Lectures/01-ClassOverview.pptx
@@ -13091,49 +13091,32 @@
       </p:pic>
       <p:pic>
         <p:nvPicPr>
-          <p:cNvPr id="1042" name="Picture 18" descr="Graduation Cap Books And Diploma Png Clipart - Graduation Cap With Books,  Transparent Png , Transparent Png Image - PNGitem">
+          <p:cNvPr id="2" name="Picture 1">
             <a:extLst>
               <a:ext uri="{FF2B5EF4-FFF2-40B4-BE49-F238E27FC236}">
-                <a16:creationId xmlns:a16="http://schemas.microsoft.com/office/drawing/2014/main" id="{959A5558-51CE-F544-8502-9C987224B781}"/>
+                <a16:creationId xmlns:a16="http://schemas.microsoft.com/office/drawing/2014/main" id="{B5449F2B-1696-4644-85D5-81199723142F}"/>
               </a:ext>
             </a:extLst>
           </p:cNvPr>
           <p:cNvPicPr>
-            <a:picLocks noChangeAspect="1" noChangeArrowheads="1"/>
+            <a:picLocks noChangeAspect="1"/>
           </p:cNvPicPr>
           <p:nvPr/>
         </p:nvPicPr>
         <p:blipFill>
-          <a:blip r:embed="rId4">
-            <a:extLst>
-              <a:ext uri="{28A0092B-C50C-407E-A947-70E740481C1C}">
-                <a14:useLocalDpi xmlns:a14="http://schemas.microsoft.com/office/drawing/2010/main" val="0"/>
-              </a:ext>
-            </a:extLst>
-          </a:blip>
-          <a:srcRect/>
+          <a:blip r:embed="rId4"/>
           <a:stretch>
             <a:fillRect/>
           </a:stretch>
         </p:blipFill>
-        <p:spPr bwMode="auto">
+        <p:spPr>
           <a:xfrm>
-            <a:off x="194632" y="1879227"/>
-            <a:ext cx="1292083" cy="841248"/>
+            <a:off x="380749" y="1881137"/>
+            <a:ext cx="832104" cy="827748"/>
           </a:xfrm>
           <a:prstGeom prst="rect">
             <a:avLst/>
           </a:prstGeom>
-          <a:noFill/>
-          <a:extLst>
-            <a:ext uri="{909E8E84-426E-40DD-AFC4-6F175D3DCCD1}">
-              <a14:hiddenFill xmlns:a14="http://schemas.microsoft.com/office/drawing/2010/main">
-                <a:solidFill>
-                  <a:srgbClr val="FFFFFF"/>
-                </a:solidFill>
-              </a14:hiddenFill>
-            </a:ext>
-          </a:extLst>
         </p:spPr>
       </p:pic>
     </p:spTree>

--- a/Lectures/01-ClassOverview.pptx
+++ b/Lectures/01-ClassOverview.pptx
@@ -5925,11 +5925,7 @@
               </a:spcAft>
               <a:buNone/>
             </a:pPr>
-            <a:r>
-              <a:rPr lang="en"/>
-              <a:t>If you think you’re likely to drop, please let us know sooner rather than later so we can balance teams</a:t>
-            </a:r>
-            <a:endParaRPr/>
+            <a:endParaRPr dirty="0"/>
           </a:p>
         </p:txBody>
       </p:sp>
@@ -12227,10 +12223,10 @@
               <a:buNone/>
             </a:pPr>
             <a:r>
-              <a:rPr lang="en"/>
-              <a:t>Rayid Ghani and Kit Rodolfa</a:t>
+              <a:rPr lang="en" dirty="0"/>
+              <a:t>Rayid Ghani</a:t>
             </a:r>
-            <a:endParaRPr/>
+            <a:endParaRPr dirty="0"/>
           </a:p>
         </p:txBody>
       </p:sp>
@@ -12493,7 +12489,7 @@
                   <a:schemeClr val="dk1"/>
                 </a:solidFill>
               </a:rPr>
-              <a:t>Wednesday sessions</a:t>
+              <a:t>Wednesday tech and review sessions</a:t>
             </a:r>
           </a:p>
           <a:p>
@@ -12531,7 +12527,7 @@
                   <a:schemeClr val="dk1"/>
                 </a:solidFill>
               </a:rPr>
-              <a:t>Weekly Reviews (due before class every Tuesday)</a:t>
+              <a:t>Weekly Reviews (due before class every week)</a:t>
             </a:r>
           </a:p>
           <a:p>
@@ -13761,7 +13757,7 @@
             </a:pPr>
             <a:r>
               <a:rPr lang="en" dirty="0"/>
-              <a:t>We’ll have tech sessions tomorrow to help with setup</a:t>
+              <a:t>We’ll have a tech session tomorrow to help with setup</a:t>
             </a:r>
             <a:endParaRPr dirty="0"/>
           </a:p>
@@ -14087,10 +14083,10 @@
               <a:buNone/>
             </a:pPr>
             <a:r>
-              <a:rPr lang="en"/>
+              <a:rPr lang="en" dirty="0"/>
               <a:t>What we want you to learn from this class</a:t>
             </a:r>
-            <a:endParaRPr/>
+            <a:endParaRPr dirty="0"/>
           </a:p>
         </p:txBody>
       </p:sp>
@@ -14134,12 +14130,47 @@
             </a:pPr>
             <a:r>
               <a:rPr lang="en" dirty="0"/>
-              <a:t>How to responsibly and effectively solve real-world policy problems using ML</a:t>
+              <a:t>How to </a:t>
+            </a:r>
+            <a:r>
+              <a:rPr lang="en" b="1" dirty="0"/>
+              <a:t>responsibly</a:t>
+            </a:r>
+            <a:r>
+              <a:rPr lang="en" dirty="0"/>
+              <a:t> and </a:t>
+            </a:r>
+            <a:r>
+              <a:rPr lang="en" b="1" dirty="0"/>
+              <a:t>effectively</a:t>
+            </a:r>
+            <a:r>
+              <a:rPr lang="en" dirty="0"/>
+              <a:t> solve real-world policy problems using ML</a:t>
             </a:r>
             <a:br>
               <a:rPr lang="en" dirty="0"/>
             </a:br>
             <a:endParaRPr lang="en-US" sz="1200" dirty="0"/>
+          </a:p>
+          <a:p>
+            <a:pPr marL="914400" lvl="1" indent="-342900" algn="l" rtl="0">
+              <a:lnSpc>
+                <a:spcPct val="150000"/>
+              </a:lnSpc>
+              <a:spcBef>
+                <a:spcPts val="0"/>
+              </a:spcBef>
+              <a:spcAft>
+                <a:spcPts val="0"/>
+              </a:spcAft>
+              <a:buSzPts val="1800"/>
+              <a:buChar char="○"/>
+            </a:pPr>
+            <a:r>
+              <a:rPr lang="en-US" sz="1800" dirty="0"/>
+              <a:t>Understand where ML fits as part of your analytical toolkit</a:t>
+            </a:r>
           </a:p>
           <a:p>
             <a:pPr marL="914400" lvl="1" indent="-342900" algn="l" rtl="0">
@@ -14176,7 +14207,7 @@
             </a:pPr>
             <a:r>
               <a:rPr lang="en-US" sz="1800" dirty="0"/>
-              <a:t>Build (and use) reusable ML pipelines</a:t>
+              <a:t>Be able to work with reusable ML pipelines</a:t>
             </a:r>
           </a:p>
           <a:p>
@@ -14191,7 +14222,7 @@
             </a:pPr>
             <a:r>
               <a:rPr lang="en-US" sz="1800" dirty="0"/>
-              <a:t>Learn how to use ML methods (that you have covered in earlier classes) in the context of a real problem</a:t>
+              <a:t>Learn how to use and evaluate ML methods (that you have covered in earlier classes) in the context of a real problem</a:t>
             </a:r>
           </a:p>
           <a:p>
@@ -14430,7 +14461,7 @@
             </a:pPr>
             <a:r>
               <a:rPr lang="en" dirty="0"/>
-              <a:t>Ideally: experience with command line (bash), git(hub), working on remote servers</a:t>
+              <a:t>Experience with command line (bash), git(hub), working on remote servers</a:t>
             </a:r>
           </a:p>
           <a:p>
@@ -14560,7 +14591,7 @@
                   <a:schemeClr val="dk1"/>
                 </a:solidFill>
               </a:rPr>
-              <a:t>We’ll assume everyone knows most of the methods and focus on everything else</a:t>
+              <a:t>We’ll assume everyone knows most of the methods/models and focus on everything else that’s important</a:t>
             </a:r>
             <a:endParaRPr sz="2400" dirty="0">
               <a:solidFill>
@@ -16175,10 +16206,12 @@
               <a:buNone/>
             </a:pPr>
             <a:r>
-              <a:rPr lang="en"/>
+              <a:rPr lang="en" dirty="0">
+                <a:hlinkClick r:id="rId3"/>
+              </a:rPr>
               <a:t>Class Schedule</a:t>
             </a:r>
-            <a:endParaRPr/>
+            <a:endParaRPr dirty="0"/>
           </a:p>
         </p:txBody>
       </p:sp>

--- a/Lectures/01-ClassOverview.pptx
+++ b/Lectures/01-ClassOverview.pptx
@@ -12491,6 +12491,14 @@
               </a:rPr>
               <a:t>Wednesday tech and review sessions</a:t>
             </a:r>
+            <a:r>
+              <a:rPr lang="en" sz="1600" b="1" dirty="0">
+                <a:solidFill>
+                  <a:srgbClr val="FF0000"/>
+                </a:solidFill>
+              </a:rPr>
+              <a:t> (time)</a:t>
+            </a:r>
           </a:p>
           <a:p>
             <a:pPr indent="-330200">

--- a/Lectures/01-ClassOverview.pptx
+++ b/Lectures/01-ClassOverview.pptx
@@ -12,15 +12,15 @@
     <p:sldId id="257" r:id="rId3"/>
     <p:sldId id="260" r:id="rId4"/>
     <p:sldId id="261" r:id="rId5"/>
-    <p:sldId id="262" r:id="rId6"/>
-    <p:sldId id="263" r:id="rId7"/>
+    <p:sldId id="297" r:id="rId6"/>
+    <p:sldId id="296" r:id="rId7"/>
     <p:sldId id="295" r:id="rId8"/>
     <p:sldId id="264" r:id="rId9"/>
     <p:sldId id="266" r:id="rId10"/>
     <p:sldId id="267" r:id="rId11"/>
-    <p:sldId id="269" r:id="rId12"/>
-    <p:sldId id="270" r:id="rId13"/>
-    <p:sldId id="271" r:id="rId14"/>
+    <p:sldId id="270" r:id="rId12"/>
+    <p:sldId id="271" r:id="rId13"/>
+    <p:sldId id="269" r:id="rId14"/>
     <p:sldId id="272" r:id="rId15"/>
     <p:sldId id="273" r:id="rId16"/>
   </p:sldIdLst>
@@ -5838,110 +5838,6 @@
   <p:cSld>
     <p:spTree>
       <p:nvGrpSpPr>
-        <p:cNvPr id="1" name="Shape 154"/>
-        <p:cNvGrpSpPr/>
-        <p:nvPr/>
-      </p:nvGrpSpPr>
-      <p:grpSpPr>
-        <a:xfrm>
-          <a:off x="0" y="0"/>
-          <a:ext cx="0" cy="0"/>
-          <a:chOff x="0" y="0"/>
-          <a:chExt cx="0" cy="0"/>
-        </a:xfrm>
-      </p:grpSpPr>
-      <p:sp>
-        <p:nvSpPr>
-          <p:cNvPr id="155" name="Google Shape;155;g6d8ed670a8_0_56:notes"/>
-          <p:cNvSpPr>
-            <a:spLocks noGrp="1" noRot="1" noChangeAspect="1"/>
-          </p:cNvSpPr>
-          <p:nvPr>
-            <p:ph type="sldImg" idx="2"/>
-          </p:nvPr>
-        </p:nvSpPr>
-        <p:spPr>
-          <a:xfrm>
-            <a:off x="381000" y="685800"/>
-            <a:ext cx="6096000" cy="3429000"/>
-          </a:xfrm>
-          <a:custGeom>
-            <a:avLst/>
-            <a:gdLst/>
-            <a:ahLst/>
-            <a:cxnLst/>
-            <a:rect l="l" t="t" r="r" b="b"/>
-            <a:pathLst>
-              <a:path w="120000" h="120000" extrusionOk="0">
-                <a:moveTo>
-                  <a:pt x="0" y="0"/>
-                </a:moveTo>
-                <a:lnTo>
-                  <a:pt x="120000" y="0"/>
-                </a:lnTo>
-                <a:lnTo>
-                  <a:pt x="120000" y="120000"/>
-                </a:lnTo>
-                <a:lnTo>
-                  <a:pt x="0" y="120000"/>
-                </a:lnTo>
-                <a:close/>
-              </a:path>
-            </a:pathLst>
-          </a:custGeom>
-        </p:spPr>
-      </p:sp>
-      <p:sp>
-        <p:nvSpPr>
-          <p:cNvPr id="156" name="Google Shape;156;g6d8ed670a8_0_56:notes"/>
-          <p:cNvSpPr txBox="1">
-            <a:spLocks noGrp="1"/>
-          </p:cNvSpPr>
-          <p:nvPr>
-            <p:ph type="body" idx="1"/>
-          </p:nvPr>
-        </p:nvSpPr>
-        <p:spPr>
-          <a:xfrm>
-            <a:off x="685800" y="4343400"/>
-            <a:ext cx="5486400" cy="4114800"/>
-          </a:xfrm>
-          <a:prstGeom prst="rect">
-            <a:avLst/>
-          </a:prstGeom>
-        </p:spPr>
-        <p:txBody>
-          <a:bodyPr spcFirstLastPara="1" wrap="square" lIns="91425" tIns="91425" rIns="91425" bIns="91425" anchor="t" anchorCtr="0">
-            <a:noAutofit/>
-          </a:bodyPr>
-          <a:lstStyle/>
-          <a:p>
-            <a:pPr marL="0" lvl="0" indent="0" algn="l" rtl="0">
-              <a:spcBef>
-                <a:spcPts val="0"/>
-              </a:spcBef>
-              <a:spcAft>
-                <a:spcPts val="0"/>
-              </a:spcAft>
-              <a:buNone/>
-            </a:pPr>
-            <a:endParaRPr dirty="0"/>
-          </a:p>
-        </p:txBody>
-      </p:sp>
-    </p:spTree>
-  </p:cSld>
-  <p:clrMapOvr>
-    <a:masterClrMapping/>
-  </p:clrMapOvr>
-</p:notes>
-</file>
-
-<file path=ppt/notesSlides/notesSlide11.xml><?xml version="1.0" encoding="utf-8"?>
-<p:notes xmlns:a="http://schemas.openxmlformats.org/drawingml/2006/main" xmlns:r="http://schemas.openxmlformats.org/officeDocument/2006/relationships" xmlns:p="http://schemas.openxmlformats.org/presentationml/2006/main" showMasterSp="0" showMasterPhAnim="0">
-  <p:cSld>
-    <p:spTree>
-      <p:nvGrpSpPr>
         <p:cNvPr id="1" name="Shape 160"/>
         <p:cNvGrpSpPr/>
         <p:nvPr/>
@@ -6041,7 +5937,7 @@
 </p:notes>
 </file>
 
-<file path=ppt/notesSlides/notesSlide12.xml><?xml version="1.0" encoding="utf-8"?>
+<file path=ppt/notesSlides/notesSlide11.xml><?xml version="1.0" encoding="utf-8"?>
 <p:notes xmlns:a="http://schemas.openxmlformats.org/drawingml/2006/main" xmlns:r="http://schemas.openxmlformats.org/officeDocument/2006/relationships" xmlns:p="http://schemas.openxmlformats.org/presentationml/2006/main" showMasterSp="0" showMasterPhAnim="0">
   <p:cSld>
     <p:spTree>
@@ -6134,6 +6030,110 @@
               <a:buNone/>
             </a:pPr>
             <a:endParaRPr/>
+          </a:p>
+        </p:txBody>
+      </p:sp>
+    </p:spTree>
+  </p:cSld>
+  <p:clrMapOvr>
+    <a:masterClrMapping/>
+  </p:clrMapOvr>
+</p:notes>
+</file>
+
+<file path=ppt/notesSlides/notesSlide12.xml><?xml version="1.0" encoding="utf-8"?>
+<p:notes xmlns:a="http://schemas.openxmlformats.org/drawingml/2006/main" xmlns:r="http://schemas.openxmlformats.org/officeDocument/2006/relationships" xmlns:p="http://schemas.openxmlformats.org/presentationml/2006/main" showMasterSp="0" showMasterPhAnim="0">
+  <p:cSld>
+    <p:spTree>
+      <p:nvGrpSpPr>
+        <p:cNvPr id="1" name="Shape 154"/>
+        <p:cNvGrpSpPr/>
+        <p:nvPr/>
+      </p:nvGrpSpPr>
+      <p:grpSpPr>
+        <a:xfrm>
+          <a:off x="0" y="0"/>
+          <a:ext cx="0" cy="0"/>
+          <a:chOff x="0" y="0"/>
+          <a:chExt cx="0" cy="0"/>
+        </a:xfrm>
+      </p:grpSpPr>
+      <p:sp>
+        <p:nvSpPr>
+          <p:cNvPr id="155" name="Google Shape;155;g6d8ed670a8_0_56:notes"/>
+          <p:cNvSpPr>
+            <a:spLocks noGrp="1" noRot="1" noChangeAspect="1"/>
+          </p:cNvSpPr>
+          <p:nvPr>
+            <p:ph type="sldImg" idx="2"/>
+          </p:nvPr>
+        </p:nvSpPr>
+        <p:spPr>
+          <a:xfrm>
+            <a:off x="381000" y="685800"/>
+            <a:ext cx="6096000" cy="3429000"/>
+          </a:xfrm>
+          <a:custGeom>
+            <a:avLst/>
+            <a:gdLst/>
+            <a:ahLst/>
+            <a:cxnLst/>
+            <a:rect l="l" t="t" r="r" b="b"/>
+            <a:pathLst>
+              <a:path w="120000" h="120000" extrusionOk="0">
+                <a:moveTo>
+                  <a:pt x="0" y="0"/>
+                </a:moveTo>
+                <a:lnTo>
+                  <a:pt x="120000" y="0"/>
+                </a:lnTo>
+                <a:lnTo>
+                  <a:pt x="120000" y="120000"/>
+                </a:lnTo>
+                <a:lnTo>
+                  <a:pt x="0" y="120000"/>
+                </a:lnTo>
+                <a:close/>
+              </a:path>
+            </a:pathLst>
+          </a:custGeom>
+        </p:spPr>
+      </p:sp>
+      <p:sp>
+        <p:nvSpPr>
+          <p:cNvPr id="156" name="Google Shape;156;g6d8ed670a8_0_56:notes"/>
+          <p:cNvSpPr txBox="1">
+            <a:spLocks noGrp="1"/>
+          </p:cNvSpPr>
+          <p:nvPr>
+            <p:ph type="body" idx="1"/>
+          </p:nvPr>
+        </p:nvSpPr>
+        <p:spPr>
+          <a:xfrm>
+            <a:off x="685800" y="4343400"/>
+            <a:ext cx="5486400" cy="4114800"/>
+          </a:xfrm>
+          <a:prstGeom prst="rect">
+            <a:avLst/>
+          </a:prstGeom>
+        </p:spPr>
+        <p:txBody>
+          <a:bodyPr spcFirstLastPara="1" wrap="square" lIns="91425" tIns="91425" rIns="91425" bIns="91425" anchor="t" anchorCtr="0">
+            <a:noAutofit/>
+          </a:bodyPr>
+          <a:lstStyle/>
+          <a:p>
+            <a:pPr marL="0" lvl="0" indent="0" algn="l" rtl="0">
+              <a:spcBef>
+                <a:spcPts val="0"/>
+              </a:spcBef>
+              <a:spcAft>
+                <a:spcPts val="0"/>
+              </a:spcAft>
+              <a:buNone/>
+            </a:pPr>
+            <a:endParaRPr dirty="0"/>
           </a:p>
         </p:txBody>
       </p:sp>
@@ -6674,7 +6674,13 @@
   <p:cSld>
     <p:spTree>
       <p:nvGrpSpPr>
-        <p:cNvPr id="1" name="Shape 89"/>
+        <p:cNvPr id="1" name="Shape 101">
+          <a:extLst>
+            <a:ext uri="{FF2B5EF4-FFF2-40B4-BE49-F238E27FC236}">
+              <a16:creationId xmlns:a16="http://schemas.microsoft.com/office/drawing/2014/main" id="{09DEBAC1-B7F2-498B-49F6-61D5A65B921C}"/>
+            </a:ext>
+          </a:extLst>
+        </p:cNvPr>
         <p:cNvGrpSpPr/>
         <p:nvPr/>
       </p:nvGrpSpPr>
@@ -6688,7 +6694,13 @@
       </p:grpSpPr>
       <p:sp>
         <p:nvSpPr>
-          <p:cNvPr id="90" name="Google Shape;90;g766cd25377_0_0:notes"/>
+          <p:cNvPr id="102" name="Google Shape;102;g766cd25377_0_24:notes">
+            <a:extLst>
+              <a:ext uri="{FF2B5EF4-FFF2-40B4-BE49-F238E27FC236}">
+                <a16:creationId xmlns:a16="http://schemas.microsoft.com/office/drawing/2014/main" id="{B9AD2982-4EAA-5446-BC92-B5C05965033D}"/>
+              </a:ext>
+            </a:extLst>
+          </p:cNvPr>
           <p:cNvSpPr>
             <a:spLocks noGrp="1" noRot="1" noChangeAspect="1"/>
           </p:cNvSpPr>
@@ -6729,7 +6741,13 @@
       </p:sp>
       <p:sp>
         <p:nvSpPr>
-          <p:cNvPr id="91" name="Google Shape;91;g766cd25377_0_0:notes"/>
+          <p:cNvPr id="103" name="Google Shape;103;g766cd25377_0_24:notes">
+            <a:extLst>
+              <a:ext uri="{FF2B5EF4-FFF2-40B4-BE49-F238E27FC236}">
+                <a16:creationId xmlns:a16="http://schemas.microsoft.com/office/drawing/2014/main" id="{10EFD38D-ED55-8CBB-A209-E0B1F14BC437}"/>
+              </a:ext>
+            </a:extLst>
+          </p:cNvPr>
           <p:cNvSpPr txBox="1">
             <a:spLocks noGrp="1"/>
           </p:cNvSpPr>
@@ -6761,11 +6779,20 @@
               </a:spcAft>
               <a:buNone/>
             </a:pPr>
+            <a:r>
+              <a:rPr lang="en"/>
+              <a:t>For ML students, previous iterations of this class probably involved some readings and assignments in each of these areas. This semester, we’re taking a more hands-on project-focused approach.</a:t>
+            </a:r>
             <a:endParaRPr/>
           </a:p>
         </p:txBody>
       </p:sp>
     </p:spTree>
+    <p:extLst>
+      <p:ext uri="{BB962C8B-B14F-4D97-AF65-F5344CB8AC3E}">
+        <p14:creationId xmlns:p14="http://schemas.microsoft.com/office/powerpoint/2010/main" val="823897293"/>
+      </p:ext>
+    </p:extLst>
   </p:cSld>
   <p:clrMapOvr>
     <a:masterClrMapping/>
@@ -12491,14 +12518,11 @@
               </a:rPr>
               <a:t>Wednesday tech and review sessions</a:t>
             </a:r>
-            <a:r>
-              <a:rPr lang="en" sz="1600" b="1" dirty="0">
-                <a:solidFill>
-                  <a:srgbClr val="FF0000"/>
-                </a:solidFill>
-              </a:rPr>
-              <a:t> (time)</a:t>
-            </a:r>
+            <a:endParaRPr lang="en" sz="1600" b="1" dirty="0">
+              <a:solidFill>
+                <a:srgbClr val="FF0000"/>
+              </a:solidFill>
+            </a:endParaRPr>
           </a:p>
           <a:p>
             <a:pPr indent="-330200">
@@ -12585,223 +12609,6 @@
 </file>
 
 <file path=ppt/slides/slide11.xml><?xml version="1.0" encoding="utf-8"?>
-<p:sld xmlns:a="http://schemas.openxmlformats.org/drawingml/2006/main" xmlns:r="http://schemas.openxmlformats.org/officeDocument/2006/relationships" xmlns:p="http://schemas.openxmlformats.org/presentationml/2006/main">
-  <p:cSld>
-    <p:spTree>
-      <p:nvGrpSpPr>
-        <p:cNvPr id="1" name="Shape 157"/>
-        <p:cNvGrpSpPr/>
-        <p:nvPr/>
-      </p:nvGrpSpPr>
-      <p:grpSpPr>
-        <a:xfrm>
-          <a:off x="0" y="0"/>
-          <a:ext cx="0" cy="0"/>
-          <a:chOff x="0" y="0"/>
-          <a:chExt cx="0" cy="0"/>
-        </a:xfrm>
-      </p:grpSpPr>
-      <p:sp>
-        <p:nvSpPr>
-          <p:cNvPr id="158" name="Google Shape;158;p26"/>
-          <p:cNvSpPr txBox="1">
-            <a:spLocks noGrp="1"/>
-          </p:cNvSpPr>
-          <p:nvPr>
-            <p:ph type="title"/>
-          </p:nvPr>
-        </p:nvSpPr>
-        <p:spPr>
-          <a:xfrm>
-            <a:off x="311700" y="445025"/>
-            <a:ext cx="8520600" cy="572700"/>
-          </a:xfrm>
-          <a:prstGeom prst="rect">
-            <a:avLst/>
-          </a:prstGeom>
-        </p:spPr>
-        <p:txBody>
-          <a:bodyPr spcFirstLastPara="1" wrap="square" lIns="91425" tIns="91425" rIns="91425" bIns="91425" anchor="t" anchorCtr="0">
-            <a:noAutofit/>
-          </a:bodyPr>
-          <a:lstStyle/>
-          <a:p>
-            <a:pPr marL="0" lvl="0" indent="0" algn="l" rtl="0">
-              <a:spcBef>
-                <a:spcPts val="0"/>
-              </a:spcBef>
-              <a:spcAft>
-                <a:spcPts val="0"/>
-              </a:spcAft>
-              <a:buNone/>
-            </a:pPr>
-            <a:r>
-              <a:rPr lang="en"/>
-              <a:t>Project Teams</a:t>
-            </a:r>
-            <a:endParaRPr/>
-          </a:p>
-        </p:txBody>
-      </p:sp>
-      <p:sp>
-        <p:nvSpPr>
-          <p:cNvPr id="159" name="Google Shape;159;p26"/>
-          <p:cNvSpPr txBox="1">
-            <a:spLocks noGrp="1"/>
-          </p:cNvSpPr>
-          <p:nvPr>
-            <p:ph type="body" idx="1"/>
-          </p:nvPr>
-        </p:nvSpPr>
-        <p:spPr>
-          <a:xfrm>
-            <a:off x="311700" y="1152475"/>
-            <a:ext cx="8520600" cy="3416400"/>
-          </a:xfrm>
-          <a:prstGeom prst="rect">
-            <a:avLst/>
-          </a:prstGeom>
-        </p:spPr>
-        <p:txBody>
-          <a:bodyPr spcFirstLastPara="1" wrap="square" lIns="91425" tIns="91425" rIns="91425" bIns="91425" anchor="t" anchorCtr="0">
-            <a:noAutofit/>
-          </a:bodyPr>
-          <a:lstStyle/>
-          <a:p>
-            <a:pPr marL="457200" lvl="0" indent="-342900" algn="l" rtl="0">
-              <a:spcBef>
-                <a:spcPts val="0"/>
-              </a:spcBef>
-              <a:spcAft>
-                <a:spcPts val="0"/>
-              </a:spcAft>
-              <a:buSzPts val="1800"/>
-              <a:buChar char="●"/>
-            </a:pPr>
-            <a:r>
-              <a:rPr lang="en" dirty="0"/>
-              <a:t>Make sure to fill out the survey by </a:t>
-            </a:r>
-            <a:r>
-              <a:rPr lang="en-US" dirty="0"/>
-              <a:t>tomorrow</a:t>
-            </a:r>
-            <a:endParaRPr dirty="0"/>
-          </a:p>
-          <a:p>
-            <a:pPr marL="914400" lvl="1" indent="-330200" algn="l" rtl="0">
-              <a:spcBef>
-                <a:spcPts val="0"/>
-              </a:spcBef>
-              <a:spcAft>
-                <a:spcPts val="0"/>
-              </a:spcAft>
-              <a:buSzPts val="1600"/>
-              <a:buChar char="○"/>
-            </a:pPr>
-            <a:r>
-              <a:rPr lang="en" sz="1600" dirty="0"/>
-              <a:t>We need this get you set up on the infrastructure and form teams</a:t>
-            </a:r>
-            <a:endParaRPr sz="1600" dirty="0"/>
-          </a:p>
-          <a:p>
-            <a:pPr marL="914400" lvl="1" indent="-317500" algn="l" rtl="0">
-              <a:spcBef>
-                <a:spcPts val="0"/>
-              </a:spcBef>
-              <a:spcAft>
-                <a:spcPts val="0"/>
-              </a:spcAft>
-              <a:buSzPts val="1400"/>
-              <a:buChar char="○"/>
-            </a:pPr>
-            <a:r>
-              <a:rPr lang="en" sz="1600" dirty="0"/>
-              <a:t>If you didn’t include a public SSH key, email it to us ASAP!</a:t>
-            </a:r>
-            <a:br>
-              <a:rPr lang="en" dirty="0"/>
-            </a:br>
-            <a:endParaRPr dirty="0"/>
-          </a:p>
-          <a:p>
-            <a:pPr marL="457200" lvl="0" indent="-342900" algn="l" rtl="0">
-              <a:spcBef>
-                <a:spcPts val="0"/>
-              </a:spcBef>
-              <a:spcAft>
-                <a:spcPts val="0"/>
-              </a:spcAft>
-              <a:buSzPts val="1800"/>
-              <a:buChar char="●"/>
-            </a:pPr>
-            <a:r>
-              <a:rPr lang="en" dirty="0"/>
-              <a:t>We’ll make teams at the end of this week to balance your preferences, experience, and background</a:t>
-            </a:r>
-            <a:br>
-              <a:rPr lang="en" dirty="0"/>
-            </a:br>
-            <a:endParaRPr dirty="0"/>
-          </a:p>
-          <a:p>
-            <a:pPr marL="457200" lvl="0" indent="-342900" algn="l" rtl="0">
-              <a:spcBef>
-                <a:spcPts val="0"/>
-              </a:spcBef>
-              <a:spcAft>
-                <a:spcPts val="0"/>
-              </a:spcAft>
-              <a:buSzPts val="1800"/>
-              <a:buChar char="●"/>
-            </a:pPr>
-            <a:r>
-              <a:rPr lang="en" dirty="0"/>
-              <a:t>We might need to adjust based on people dropping the class so don’t get too attached to your team and project</a:t>
-            </a:r>
-          </a:p>
-          <a:p>
-            <a:pPr marL="457200" lvl="0" indent="-342900" algn="l" rtl="0">
-              <a:spcBef>
-                <a:spcPts val="0"/>
-              </a:spcBef>
-              <a:spcAft>
-                <a:spcPts val="0"/>
-              </a:spcAft>
-              <a:buSzPts val="1800"/>
-              <a:buChar char="●"/>
-            </a:pPr>
-            <a:endParaRPr lang="en" dirty="0"/>
-          </a:p>
-          <a:p>
-            <a:pPr marL="457200" lvl="0" indent="-342900" algn="l" rtl="0">
-              <a:spcBef>
-                <a:spcPts val="0"/>
-              </a:spcBef>
-              <a:spcAft>
-                <a:spcPts val="0"/>
-              </a:spcAft>
-              <a:buSzPts val="1800"/>
-              <a:buChar char="●"/>
-            </a:pPr>
-            <a:r>
-              <a:rPr lang="en" dirty="0"/>
-              <a:t>If you’re going to drop this class, drop now (before we make teams)</a:t>
-            </a:r>
-            <a:endParaRPr dirty="0"/>
-          </a:p>
-        </p:txBody>
-      </p:sp>
-    </p:spTree>
-  </p:cSld>
-  <p:clrMapOvr>
-    <a:masterClrMapping/>
-  </p:clrMapOvr>
-</p:sld>
-</file>
-
-<file path=ppt/slides/slide12.xml><?xml version="1.0" encoding="utf-8"?>
 <p:sld xmlns:a="http://schemas.openxmlformats.org/drawingml/2006/main" xmlns:r="http://schemas.openxmlformats.org/officeDocument/2006/relationships" xmlns:p="http://schemas.openxmlformats.org/presentationml/2006/main">
   <p:cSld>
     <p:spTree>
@@ -13131,7 +12938,7 @@
 </p:sld>
 </file>
 
-<file path=ppt/slides/slide13.xml><?xml version="1.0" encoding="utf-8"?>
+<file path=ppt/slides/slide12.xml><?xml version="1.0" encoding="utf-8"?>
 <p:sld xmlns:a="http://schemas.openxmlformats.org/drawingml/2006/main" xmlns:r="http://schemas.openxmlformats.org/officeDocument/2006/relationships" xmlns:p="http://schemas.openxmlformats.org/presentationml/2006/main">
   <p:cSld>
     <p:spTree>
@@ -13411,6 +13218,194 @@
               </a:spcAft>
               <a:buNone/>
             </a:pPr>
+            <a:endParaRPr dirty="0"/>
+          </a:p>
+        </p:txBody>
+      </p:sp>
+    </p:spTree>
+  </p:cSld>
+  <p:clrMapOvr>
+    <a:masterClrMapping/>
+  </p:clrMapOvr>
+</p:sld>
+</file>
+
+<file path=ppt/slides/slide13.xml><?xml version="1.0" encoding="utf-8"?>
+<p:sld xmlns:a="http://schemas.openxmlformats.org/drawingml/2006/main" xmlns:r="http://schemas.openxmlformats.org/officeDocument/2006/relationships" xmlns:p="http://schemas.openxmlformats.org/presentationml/2006/main">
+  <p:cSld>
+    <p:spTree>
+      <p:nvGrpSpPr>
+        <p:cNvPr id="1" name="Shape 157"/>
+        <p:cNvGrpSpPr/>
+        <p:nvPr/>
+      </p:nvGrpSpPr>
+      <p:grpSpPr>
+        <a:xfrm>
+          <a:off x="0" y="0"/>
+          <a:ext cx="0" cy="0"/>
+          <a:chOff x="0" y="0"/>
+          <a:chExt cx="0" cy="0"/>
+        </a:xfrm>
+      </p:grpSpPr>
+      <p:sp>
+        <p:nvSpPr>
+          <p:cNvPr id="158" name="Google Shape;158;p26"/>
+          <p:cNvSpPr txBox="1">
+            <a:spLocks noGrp="1"/>
+          </p:cNvSpPr>
+          <p:nvPr>
+            <p:ph type="title"/>
+          </p:nvPr>
+        </p:nvSpPr>
+        <p:spPr>
+          <a:xfrm>
+            <a:off x="311700" y="445025"/>
+            <a:ext cx="8520600" cy="572700"/>
+          </a:xfrm>
+          <a:prstGeom prst="rect">
+            <a:avLst/>
+          </a:prstGeom>
+        </p:spPr>
+        <p:txBody>
+          <a:bodyPr spcFirstLastPara="1" wrap="square" lIns="91425" tIns="91425" rIns="91425" bIns="91425" anchor="t" anchorCtr="0">
+            <a:noAutofit/>
+          </a:bodyPr>
+          <a:lstStyle/>
+          <a:p>
+            <a:pPr marL="0" lvl="0" indent="0" algn="l" rtl="0">
+              <a:spcBef>
+                <a:spcPts val="0"/>
+              </a:spcBef>
+              <a:spcAft>
+                <a:spcPts val="0"/>
+              </a:spcAft>
+              <a:buNone/>
+            </a:pPr>
+            <a:r>
+              <a:rPr lang="en"/>
+              <a:t>Project Teams</a:t>
+            </a:r>
+            <a:endParaRPr/>
+          </a:p>
+        </p:txBody>
+      </p:sp>
+      <p:sp>
+        <p:nvSpPr>
+          <p:cNvPr id="159" name="Google Shape;159;p26"/>
+          <p:cNvSpPr txBox="1">
+            <a:spLocks noGrp="1"/>
+          </p:cNvSpPr>
+          <p:nvPr>
+            <p:ph type="body" idx="1"/>
+          </p:nvPr>
+        </p:nvSpPr>
+        <p:spPr>
+          <a:xfrm>
+            <a:off x="311700" y="1152475"/>
+            <a:ext cx="8520600" cy="3416400"/>
+          </a:xfrm>
+          <a:prstGeom prst="rect">
+            <a:avLst/>
+          </a:prstGeom>
+        </p:spPr>
+        <p:txBody>
+          <a:bodyPr spcFirstLastPara="1" wrap="square" lIns="91425" tIns="91425" rIns="91425" bIns="91425" anchor="t" anchorCtr="0">
+            <a:noAutofit/>
+          </a:bodyPr>
+          <a:lstStyle/>
+          <a:p>
+            <a:pPr marL="457200" lvl="0" indent="-342900" algn="l" rtl="0">
+              <a:spcBef>
+                <a:spcPts val="0"/>
+              </a:spcBef>
+              <a:spcAft>
+                <a:spcPts val="0"/>
+              </a:spcAft>
+              <a:buSzPts val="1800"/>
+              <a:buChar char="●"/>
+            </a:pPr>
+            <a:r>
+              <a:rPr lang="en" dirty="0"/>
+              <a:t>Make sure to fill out project preference form by end of tomorrow</a:t>
+            </a:r>
+          </a:p>
+          <a:p>
+            <a:pPr marL="457200" lvl="0" indent="-342900" algn="l" rtl="0">
+              <a:spcBef>
+                <a:spcPts val="0"/>
+              </a:spcBef>
+              <a:spcAft>
+                <a:spcPts val="0"/>
+              </a:spcAft>
+              <a:buSzPts val="1800"/>
+              <a:buChar char="●"/>
+            </a:pPr>
+            <a:endParaRPr lang="en" dirty="0"/>
+          </a:p>
+          <a:p>
+            <a:pPr marL="457200" lvl="0" indent="-342900" algn="l" rtl="0">
+              <a:spcBef>
+                <a:spcPts val="0"/>
+              </a:spcBef>
+              <a:spcAft>
+                <a:spcPts val="0"/>
+              </a:spcAft>
+              <a:buSzPts val="1800"/>
+              <a:buChar char="●"/>
+            </a:pPr>
+            <a:r>
+              <a:rPr lang="en" dirty="0"/>
+              <a:t>We’ll make teams at the end of this week to balance your preferences, experience, and background</a:t>
+            </a:r>
+            <a:br>
+              <a:rPr lang="en" dirty="0"/>
+            </a:br>
+            <a:endParaRPr dirty="0"/>
+          </a:p>
+          <a:p>
+            <a:pPr marL="457200" lvl="0" indent="-342900" algn="l" rtl="0">
+              <a:spcBef>
+                <a:spcPts val="0"/>
+              </a:spcBef>
+              <a:spcAft>
+                <a:spcPts val="0"/>
+              </a:spcAft>
+              <a:buSzPts val="1800"/>
+              <a:buChar char="●"/>
+            </a:pPr>
+            <a:r>
+              <a:rPr lang="en" dirty="0"/>
+              <a:t>We might need to adjust based on people dropping the class so don’t get too attached to your team and project</a:t>
+            </a:r>
+          </a:p>
+          <a:p>
+            <a:pPr marL="457200" lvl="0" indent="-342900" algn="l" rtl="0">
+              <a:spcBef>
+                <a:spcPts val="0"/>
+              </a:spcBef>
+              <a:spcAft>
+                <a:spcPts val="0"/>
+              </a:spcAft>
+              <a:buSzPts val="1800"/>
+              <a:buChar char="●"/>
+            </a:pPr>
+            <a:endParaRPr lang="en" dirty="0"/>
+          </a:p>
+          <a:p>
+            <a:pPr marL="457200" lvl="0" indent="-342900" algn="l" rtl="0">
+              <a:spcBef>
+                <a:spcPts val="0"/>
+              </a:spcBef>
+              <a:spcAft>
+                <a:spcPts val="0"/>
+              </a:spcAft>
+              <a:buSzPts val="1800"/>
+              <a:buChar char="●"/>
+            </a:pPr>
+            <a:r>
+              <a:rPr lang="en" dirty="0"/>
+              <a:t>If you’re going to drop this class, drop now (before we make teams)</a:t>
+            </a:r>
             <a:endParaRPr dirty="0"/>
           </a:p>
         </p:txBody>
@@ -13919,8 +13914,29 @@
             </a:pPr>
             <a:r>
               <a:rPr lang="en" dirty="0"/>
-              <a:t>Tech setup (tomorrow)</a:t>
+              <a:t>Tech setup (</a:t>
             </a:r>
+            <a:r>
+              <a:rPr lang="en"/>
+              <a:t>tomorrow) </a:t>
+            </a:r>
+            <a:endParaRPr lang="en" dirty="0"/>
+          </a:p>
+          <a:p>
+            <a:pPr lvl="1"/>
+            <a:r>
+              <a:rPr lang="en-US" dirty="0"/>
+              <a:t>Make sure to fill out the survey by this afternoo</a:t>
+            </a:r>
+            <a:r>
+              <a:rPr lang="en-US" sz="1000" dirty="0"/>
+              <a:t>n - </a:t>
+            </a:r>
+            <a:r>
+              <a:rPr lang="en-US" sz="1200" dirty="0"/>
+              <a:t>We need this get you set up on the infrastructure</a:t>
+            </a:r>
+            <a:endParaRPr lang="en" dirty="0"/>
           </a:p>
           <a:p>
             <a:pPr lvl="1">
@@ -14634,7 +14650,13 @@
   <p:cSld>
     <p:spTree>
       <p:nvGrpSpPr>
-        <p:cNvPr id="1" name="Shape 92"/>
+        <p:cNvPr id="1" name="Shape 104">
+          <a:extLst>
+            <a:ext uri="{FF2B5EF4-FFF2-40B4-BE49-F238E27FC236}">
+              <a16:creationId xmlns:a16="http://schemas.microsoft.com/office/drawing/2014/main" id="{43699881-33E2-4D5E-11C3-555092D553BE}"/>
+            </a:ext>
+          </a:extLst>
+        </p:cNvPr>
         <p:cNvGrpSpPr/>
         <p:nvPr/>
       </p:nvGrpSpPr>
@@ -14648,7 +14670,13 @@
       </p:grpSpPr>
       <p:sp>
         <p:nvSpPr>
-          <p:cNvPr id="93" name="Google Shape;93;p19"/>
+          <p:cNvPr id="105" name="Google Shape;105;p20">
+            <a:extLst>
+              <a:ext uri="{FF2B5EF4-FFF2-40B4-BE49-F238E27FC236}">
+                <a16:creationId xmlns:a16="http://schemas.microsoft.com/office/drawing/2014/main" id="{1999359D-3B87-6500-8640-5CB8AAC9B106}"/>
+              </a:ext>
+            </a:extLst>
+          </p:cNvPr>
           <p:cNvSpPr txBox="1">
             <a:spLocks noGrp="1"/>
           </p:cNvSpPr>
@@ -14658,8 +14686,8 @@
         </p:nvSpPr>
         <p:spPr>
           <a:xfrm>
-            <a:off x="311700" y="445025"/>
-            <a:ext cx="8520600" cy="572700"/>
+            <a:off x="313765" y="186575"/>
+            <a:ext cx="8579224" cy="572700"/>
           </a:xfrm>
           <a:prstGeom prst="rect">
             <a:avLst/>
@@ -14681,16 +14709,22 @@
               <a:buNone/>
             </a:pPr>
             <a:r>
-              <a:rPr lang="en"/>
-              <a:t>Skills needed to solve real-world problems with ML</a:t>
+              <a:rPr lang="en" dirty="0"/>
+              <a:t>Skills needed to solve real-world problems with data</a:t>
             </a:r>
-            <a:endParaRPr/>
+            <a:endParaRPr dirty="0"/>
           </a:p>
         </p:txBody>
       </p:sp>
       <p:sp>
         <p:nvSpPr>
-          <p:cNvPr id="94" name="Google Shape;94;p19"/>
+          <p:cNvPr id="106" name="Google Shape;106;p20">
+            <a:extLst>
+              <a:ext uri="{FF2B5EF4-FFF2-40B4-BE49-F238E27FC236}">
+                <a16:creationId xmlns:a16="http://schemas.microsoft.com/office/drawing/2014/main" id="{CC5D6F59-F93A-E028-17E1-CFD8C08BC222}"/>
+              </a:ext>
+            </a:extLst>
+          </p:cNvPr>
           <p:cNvSpPr/>
           <p:nvPr/>
         </p:nvSpPr>
@@ -14733,15 +14767,15 @@
               <a:buNone/>
             </a:pPr>
             <a:r>
-              <a:rPr lang="en" b="1">
+              <a:rPr lang="en-US" b="1" dirty="0">
                 <a:latin typeface="Lato"/>
                 <a:ea typeface="Lato"/>
                 <a:cs typeface="Lato"/>
                 <a:sym typeface="Lato"/>
               </a:rPr>
-              <a:t>Classes</a:t>
+              <a:t>Social Impact</a:t>
             </a:r>
-            <a:endParaRPr b="1">
+            <a:endParaRPr b="1" dirty="0">
               <a:latin typeface="Lato"/>
               <a:ea typeface="Lato"/>
               <a:cs typeface="Lato"/>
@@ -14752,7 +14786,13 @@
       </p:sp>
       <p:sp>
         <p:nvSpPr>
-          <p:cNvPr id="95" name="Google Shape;95;p19"/>
+          <p:cNvPr id="107" name="Google Shape;107;p20">
+            <a:extLst>
+              <a:ext uri="{FF2B5EF4-FFF2-40B4-BE49-F238E27FC236}">
+                <a16:creationId xmlns:a16="http://schemas.microsoft.com/office/drawing/2014/main" id="{0C927134-2E3F-77EF-BAC7-02129856A97D}"/>
+              </a:ext>
+            </a:extLst>
+          </p:cNvPr>
           <p:cNvSpPr/>
           <p:nvPr/>
         </p:nvSpPr>
@@ -14795,7 +14835,7 @@
               <a:buNone/>
             </a:pPr>
             <a:r>
-              <a:rPr lang="en" sz="1600" b="1">
+              <a:rPr lang="en" sz="1600" b="1" dirty="0">
                 <a:solidFill>
                   <a:srgbClr val="FFFFFF"/>
                 </a:solidFill>
@@ -14804,41 +14844,9 @@
                 <a:cs typeface="Lato"/>
                 <a:sym typeface="Lato"/>
               </a:rPr>
-              <a:t>Computer Science &amp;</a:t>
+              <a:t>CS,  Programming, ML</a:t>
             </a:r>
-            <a:endParaRPr sz="1600" b="1">
-              <a:solidFill>
-                <a:srgbClr val="FFFFFF"/>
-              </a:solidFill>
-              <a:latin typeface="Lato"/>
-              <a:ea typeface="Lato"/>
-              <a:cs typeface="Lato"/>
-              <a:sym typeface="Lato"/>
-            </a:endParaRPr>
-          </a:p>
-          <a:p>
-            <a:pPr marL="0" lvl="0" indent="0" algn="ctr" rtl="0">
-              <a:spcBef>
-                <a:spcPts val="0"/>
-              </a:spcBef>
-              <a:spcAft>
-                <a:spcPts val="0"/>
-              </a:spcAft>
-              <a:buNone/>
-            </a:pPr>
-            <a:r>
-              <a:rPr lang="en" sz="1600" b="1">
-                <a:solidFill>
-                  <a:srgbClr val="FFFFFF"/>
-                </a:solidFill>
-                <a:latin typeface="Lato"/>
-                <a:ea typeface="Lato"/>
-                <a:cs typeface="Lato"/>
-                <a:sym typeface="Lato"/>
-              </a:rPr>
-              <a:t>Programming</a:t>
-            </a:r>
-            <a:endParaRPr sz="1600" b="1">
+            <a:endParaRPr sz="1600" b="1" dirty="0">
               <a:solidFill>
                 <a:srgbClr val="FFFFFF"/>
               </a:solidFill>
@@ -14852,7 +14860,13 @@
       </p:sp>
       <p:sp>
         <p:nvSpPr>
-          <p:cNvPr id="96" name="Google Shape;96;p19"/>
+          <p:cNvPr id="108" name="Google Shape;108;p20">
+            <a:extLst>
+              <a:ext uri="{FF2B5EF4-FFF2-40B4-BE49-F238E27FC236}">
+                <a16:creationId xmlns:a16="http://schemas.microsoft.com/office/drawing/2014/main" id="{7758CF7D-C966-73F5-3AE6-8DF9604AD3EE}"/>
+              </a:ext>
+            </a:extLst>
+          </p:cNvPr>
           <p:cNvSpPr/>
           <p:nvPr/>
         </p:nvSpPr>
@@ -14920,13 +14934,19 @@
       </p:sp>
       <p:sp>
         <p:nvSpPr>
-          <p:cNvPr id="97" name="Google Shape;97;p19"/>
+          <p:cNvPr id="109" name="Google Shape;109;p20">
+            <a:extLst>
+              <a:ext uri="{FF2B5EF4-FFF2-40B4-BE49-F238E27FC236}">
+                <a16:creationId xmlns:a16="http://schemas.microsoft.com/office/drawing/2014/main" id="{F47D2503-3170-F023-F03D-ECBE54D90370}"/>
+              </a:ext>
+            </a:extLst>
+          </p:cNvPr>
           <p:cNvSpPr/>
           <p:nvPr/>
         </p:nvSpPr>
         <p:spPr>
           <a:xfrm>
-            <a:off x="6741350" y="2818275"/>
+            <a:off x="6265950" y="2480905"/>
             <a:ext cx="2117100" cy="632400"/>
           </a:xfrm>
           <a:prstGeom prst="roundRect">
@@ -14963,7 +14983,7 @@
               <a:buNone/>
             </a:pPr>
             <a:r>
-              <a:rPr lang="en" sz="1600" b="1">
+              <a:rPr lang="en" sz="1600" b="1" dirty="0">
                 <a:solidFill>
                   <a:srgbClr val="FFFFFF"/>
                 </a:solidFill>
@@ -14974,7 +14994,81 @@
               </a:rPr>
               <a:t>Social Sciences</a:t>
             </a:r>
-            <a:endParaRPr sz="1600" b="1">
+            <a:endParaRPr sz="1600" b="1" dirty="0">
+              <a:solidFill>
+                <a:srgbClr val="FFFFFF"/>
+              </a:solidFill>
+              <a:latin typeface="Lato"/>
+              <a:ea typeface="Lato"/>
+              <a:cs typeface="Lato"/>
+              <a:sym typeface="Lato"/>
+            </a:endParaRPr>
+          </a:p>
+        </p:txBody>
+      </p:sp>
+      <p:sp>
+        <p:nvSpPr>
+          <p:cNvPr id="110" name="Google Shape;110;p20">
+            <a:extLst>
+              <a:ext uri="{FF2B5EF4-FFF2-40B4-BE49-F238E27FC236}">
+                <a16:creationId xmlns:a16="http://schemas.microsoft.com/office/drawing/2014/main" id="{E798C978-5D36-5200-AFB8-ED222E1C64E9}"/>
+              </a:ext>
+            </a:extLst>
+          </p:cNvPr>
+          <p:cNvSpPr/>
+          <p:nvPr/>
+        </p:nvSpPr>
+        <p:spPr>
+          <a:xfrm>
+            <a:off x="6103075" y="3401992"/>
+            <a:ext cx="2117100" cy="632400"/>
+          </a:xfrm>
+          <a:prstGeom prst="roundRect">
+            <a:avLst>
+              <a:gd name="adj" fmla="val 16667"/>
+            </a:avLst>
+          </a:prstGeom>
+          <a:solidFill>
+            <a:srgbClr val="B45F06"/>
+          </a:solidFill>
+          <a:ln w="9525" cap="flat" cmpd="sng">
+            <a:solidFill>
+              <a:schemeClr val="dk2"/>
+            </a:solidFill>
+            <a:prstDash val="solid"/>
+            <a:round/>
+            <a:headEnd type="none" w="sm" len="sm"/>
+            <a:tailEnd type="none" w="sm" len="sm"/>
+          </a:ln>
+        </p:spPr>
+        <p:txBody>
+          <a:bodyPr spcFirstLastPara="1" wrap="square" lIns="91425" tIns="91425" rIns="91425" bIns="91425" anchor="ctr" anchorCtr="0">
+            <a:noAutofit/>
+          </a:bodyPr>
+          <a:lstStyle/>
+          <a:p>
+            <a:pPr marL="0" lvl="0" indent="0" algn="ctr" rtl="0">
+              <a:spcBef>
+                <a:spcPts val="0"/>
+              </a:spcBef>
+              <a:spcAft>
+                <a:spcPts val="0"/>
+              </a:spcAft>
+              <a:buNone/>
+            </a:pPr>
+            <a:r>
+              <a:rPr lang="en-US" sz="1600" b="1" dirty="0">
+                <a:solidFill>
+                  <a:srgbClr val="FFFFFF"/>
+                </a:solidFill>
+                <a:latin typeface="Lato"/>
+                <a:ea typeface="Lato"/>
+                <a:cs typeface="Lato"/>
+                <a:sym typeface="Lato"/>
+              </a:rPr>
+              <a:t>OR/Optimization</a:t>
+            </a:r>
+            <a:endParaRPr sz="1600" b="1" dirty="0">
               <a:solidFill>
                 <a:srgbClr val="FFFFFF"/>
               </a:solidFill>
@@ -14988,10 +15082,16 @@
       </p:sp>
       <p:cxnSp>
         <p:nvCxnSpPr>
-          <p:cNvPr id="98" name="Google Shape;98;p19"/>
+          <p:cNvPr id="114" name="Google Shape;114;p20">
+            <a:extLst>
+              <a:ext uri="{FF2B5EF4-FFF2-40B4-BE49-F238E27FC236}">
+                <a16:creationId xmlns:a16="http://schemas.microsoft.com/office/drawing/2014/main" id="{B1DDDF54-F901-E391-C96D-7DD4DD94E696}"/>
+              </a:ext>
+            </a:extLst>
+          </p:cNvPr>
           <p:cNvCxnSpPr>
-            <a:stCxn id="95" idx="2"/>
-            <a:endCxn id="94" idx="0"/>
+            <a:stCxn id="107" idx="2"/>
+            <a:endCxn id="106" idx="0"/>
           </p:cNvCxnSpPr>
           <p:nvPr/>
         </p:nvCxnSpPr>
@@ -15017,7 +15117,13 @@
       </p:cxnSp>
       <p:cxnSp>
         <p:nvCxnSpPr>
-          <p:cNvPr id="99" name="Google Shape;99;p19"/>
+          <p:cNvPr id="115" name="Google Shape;115;p20">
+            <a:extLst>
+              <a:ext uri="{FF2B5EF4-FFF2-40B4-BE49-F238E27FC236}">
+                <a16:creationId xmlns:a16="http://schemas.microsoft.com/office/drawing/2014/main" id="{F19CDA19-EF5E-7E0A-A487-9EE948E09206}"/>
+              </a:ext>
+            </a:extLst>
+          </p:cNvPr>
           <p:cNvCxnSpPr/>
           <p:nvPr/>
         </p:nvCxnSpPr>
@@ -15043,17 +15149,58 @@
       </p:cxnSp>
       <p:cxnSp>
         <p:nvCxnSpPr>
-          <p:cNvPr id="100" name="Google Shape;100;p19"/>
+          <p:cNvPr id="116" name="Google Shape;116;p20">
+            <a:extLst>
+              <a:ext uri="{FF2B5EF4-FFF2-40B4-BE49-F238E27FC236}">
+                <a16:creationId xmlns:a16="http://schemas.microsoft.com/office/drawing/2014/main" id="{34E4582F-7336-54B5-7647-6D4661BE84EF}"/>
+              </a:ext>
+            </a:extLst>
+          </p:cNvPr>
           <p:cNvCxnSpPr>
-            <a:stCxn id="97" idx="1"/>
-            <a:endCxn id="94" idx="3"/>
+            <a:stCxn id="109" idx="1"/>
+            <a:endCxn id="106" idx="3"/>
           </p:cNvCxnSpPr>
           <p:nvPr/>
         </p:nvCxnSpPr>
         <p:spPr>
-          <a:xfrm rot="10800000">
-            <a:off x="5188250" y="3134475"/>
-            <a:ext cx="1553100" cy="0"/>
+          <a:xfrm flipH="1">
+            <a:off x="5188400" y="2797105"/>
+            <a:ext cx="1077550" cy="337370"/>
+          </a:xfrm>
+          <a:prstGeom prst="straightConnector1">
+            <a:avLst/>
+          </a:prstGeom>
+          <a:noFill/>
+          <a:ln w="28575" cap="flat" cmpd="sng">
+            <a:solidFill>
+              <a:schemeClr val="dk2"/>
+            </a:solidFill>
+            <a:prstDash val="solid"/>
+            <a:round/>
+            <a:headEnd type="none" w="med" len="med"/>
+            <a:tailEnd type="none" w="med" len="med"/>
+          </a:ln>
+        </p:spPr>
+      </p:cxnSp>
+      <p:cxnSp>
+        <p:nvCxnSpPr>
+          <p:cNvPr id="117" name="Google Shape;117;p20">
+            <a:extLst>
+              <a:ext uri="{FF2B5EF4-FFF2-40B4-BE49-F238E27FC236}">
+                <a16:creationId xmlns:a16="http://schemas.microsoft.com/office/drawing/2014/main" id="{65AE640C-EAA7-3BE1-7FE1-B583655A79C7}"/>
+              </a:ext>
+            </a:extLst>
+          </p:cNvPr>
+          <p:cNvCxnSpPr>
+            <a:cxnSpLocks/>
+            <a:stCxn id="110" idx="1"/>
+          </p:cNvCxnSpPr>
+          <p:nvPr/>
+        </p:nvCxnSpPr>
+        <p:spPr>
+          <a:xfrm flipH="1" flipV="1">
+            <a:off x="5170200" y="3450675"/>
+            <a:ext cx="932875" cy="267517"/>
           </a:xfrm>
           <a:prstGeom prst="straightConnector1">
             <a:avLst/>
@@ -15071,6 +15218,11 @@
         </p:spPr>
       </p:cxnSp>
     </p:spTree>
+    <p:extLst>
+      <p:ext uri="{BB962C8B-B14F-4D97-AF65-F5344CB8AC3E}">
+        <p14:creationId xmlns:p14="http://schemas.microsoft.com/office/powerpoint/2010/main" val="2237783773"/>
+      </p:ext>
+    </p:extLst>
   </p:cSld>
   <p:clrMapOvr>
     <a:masterClrMapping/>
@@ -15107,8 +15259,8 @@
         </p:nvSpPr>
         <p:spPr>
           <a:xfrm>
-            <a:off x="311700" y="445025"/>
-            <a:ext cx="8520600" cy="572700"/>
+            <a:off x="313765" y="186575"/>
+            <a:ext cx="8579224" cy="572700"/>
           </a:xfrm>
           <a:prstGeom prst="rect">
             <a:avLst/>
@@ -15130,10 +15282,10 @@
               <a:buNone/>
             </a:pPr>
             <a:r>
-              <a:rPr lang="en"/>
-              <a:t>Skills needed to solve real-world problems with ML</a:t>
+              <a:rPr lang="en" dirty="0"/>
+              <a:t>Skills needed to solve real-world problems with data</a:t>
             </a:r>
-            <a:endParaRPr/>
+            <a:endParaRPr dirty="0"/>
           </a:p>
         </p:txBody>
       </p:sp>
@@ -15182,41 +15334,15 @@
               <a:buNone/>
             </a:pPr>
             <a:r>
-              <a:rPr lang="en" b="1">
+              <a:rPr lang="en-US" b="1" dirty="0">
                 <a:latin typeface="Lato"/>
                 <a:ea typeface="Lato"/>
                 <a:cs typeface="Lato"/>
                 <a:sym typeface="Lato"/>
               </a:rPr>
-              <a:t>REAL</a:t>
+              <a:t>Social Impact</a:t>
             </a:r>
-            <a:endParaRPr b="1">
-              <a:latin typeface="Lato"/>
-              <a:ea typeface="Lato"/>
-              <a:cs typeface="Lato"/>
-              <a:sym typeface="Lato"/>
-            </a:endParaRPr>
-          </a:p>
-          <a:p>
-            <a:pPr marL="0" lvl="0" indent="0" algn="ctr" rtl="0">
-              <a:spcBef>
-                <a:spcPts val="0"/>
-              </a:spcBef>
-              <a:spcAft>
-                <a:spcPts val="0"/>
-              </a:spcAft>
-              <a:buNone/>
-            </a:pPr>
-            <a:r>
-              <a:rPr lang="en" b="1">
-                <a:latin typeface="Lato"/>
-                <a:ea typeface="Lato"/>
-                <a:cs typeface="Lato"/>
-                <a:sym typeface="Lato"/>
-              </a:rPr>
-              <a:t>WORLD</a:t>
-            </a:r>
-            <a:endParaRPr b="1">
+            <a:endParaRPr b="1" dirty="0">
               <a:latin typeface="Lato"/>
               <a:ea typeface="Lato"/>
               <a:cs typeface="Lato"/>
@@ -15260,17 +15386,9 @@
           </a:bodyPr>
           <a:lstStyle/>
           <a:p>
-            <a:pPr marL="0" lvl="0" indent="0" algn="ctr" rtl="0">
-              <a:spcBef>
-                <a:spcPts val="0"/>
-              </a:spcBef>
-              <a:spcAft>
-                <a:spcPts val="0"/>
-              </a:spcAft>
-              <a:buNone/>
-            </a:pPr>
+            <a:pPr lvl="0" algn="ctr"/>
             <a:r>
-              <a:rPr lang="en" sz="1600" b="1">
+              <a:rPr lang="en-US" sz="1600" b="1" dirty="0">
                 <a:solidFill>
                   <a:srgbClr val="FFFFFF"/>
                 </a:solidFill>
@@ -15279,49 +15397,8 @@
                 <a:cs typeface="Lato"/>
                 <a:sym typeface="Lato"/>
               </a:rPr>
-              <a:t>Computer Science &amp;</a:t>
+              <a:t>CS,  Programming, ML</a:t>
             </a:r>
-            <a:endParaRPr sz="1600" b="1">
-              <a:solidFill>
-                <a:srgbClr val="FFFFFF"/>
-              </a:solidFill>
-              <a:latin typeface="Lato"/>
-              <a:ea typeface="Lato"/>
-              <a:cs typeface="Lato"/>
-              <a:sym typeface="Lato"/>
-            </a:endParaRPr>
-          </a:p>
-          <a:p>
-            <a:pPr marL="0" lvl="0" indent="0" algn="ctr" rtl="0">
-              <a:spcBef>
-                <a:spcPts val="0"/>
-              </a:spcBef>
-              <a:spcAft>
-                <a:spcPts val="0"/>
-              </a:spcAft>
-              <a:buNone/>
-            </a:pPr>
-            <a:r>
-              <a:rPr lang="en" sz="1600" b="1">
-                <a:solidFill>
-                  <a:srgbClr val="FFFFFF"/>
-                </a:solidFill>
-                <a:latin typeface="Lato"/>
-                <a:ea typeface="Lato"/>
-                <a:cs typeface="Lato"/>
-                <a:sym typeface="Lato"/>
-              </a:rPr>
-              <a:t>Programming</a:t>
-            </a:r>
-            <a:endParaRPr sz="1600" b="1">
-              <a:solidFill>
-                <a:srgbClr val="FFFFFF"/>
-              </a:solidFill>
-              <a:latin typeface="Lato"/>
-              <a:ea typeface="Lato"/>
-              <a:cs typeface="Lato"/>
-              <a:sym typeface="Lato"/>
-            </a:endParaRPr>
           </a:p>
         </p:txBody>
       </p:sp>
@@ -15401,7 +15478,7 @@
         </p:nvSpPr>
         <p:spPr>
           <a:xfrm>
-            <a:off x="6741350" y="2818275"/>
+            <a:off x="6265950" y="2480905"/>
             <a:ext cx="2117100" cy="632400"/>
           </a:xfrm>
           <a:prstGeom prst="roundRect">
@@ -15438,7 +15515,7 @@
               <a:buNone/>
             </a:pPr>
             <a:r>
-              <a:rPr lang="en" sz="1600" b="1">
+              <a:rPr lang="en" sz="1600" b="1" dirty="0">
                 <a:solidFill>
                   <a:srgbClr val="FFFFFF"/>
                 </a:solidFill>
@@ -15449,7 +15526,7 @@
               </a:rPr>
               <a:t>Social Sciences</a:t>
             </a:r>
-            <a:endParaRPr sz="1600" b="1">
+            <a:endParaRPr sz="1600" b="1" dirty="0">
               <a:solidFill>
                 <a:srgbClr val="FFFFFF"/>
               </a:solidFill>
@@ -15469,7 +15546,7 @@
         </p:nvSpPr>
         <p:spPr>
           <a:xfrm>
-            <a:off x="5654525" y="4196975"/>
+            <a:off x="6103075" y="3401992"/>
             <a:ext cx="2117100" cy="632400"/>
           </a:xfrm>
           <a:prstGeom prst="roundRect">
@@ -15506,7 +15583,7 @@
               <a:buNone/>
             </a:pPr>
             <a:r>
-              <a:rPr lang="en" sz="1600" b="1">
+              <a:rPr lang="en-US" sz="1600" b="1" dirty="0">
                 <a:solidFill>
                   <a:srgbClr val="FFFFFF"/>
                 </a:solidFill>
@@ -15515,41 +15592,9 @@
                 <a:cs typeface="Lato"/>
                 <a:sym typeface="Lato"/>
               </a:rPr>
-              <a:t>Experimental</a:t>
+              <a:t>OR/Optimization</a:t>
             </a:r>
-            <a:endParaRPr sz="1600" b="1">
-              <a:solidFill>
-                <a:srgbClr val="FFFFFF"/>
-              </a:solidFill>
-              <a:latin typeface="Lato"/>
-              <a:ea typeface="Lato"/>
-              <a:cs typeface="Lato"/>
-              <a:sym typeface="Lato"/>
-            </a:endParaRPr>
-          </a:p>
-          <a:p>
-            <a:pPr marL="0" lvl="0" indent="0" algn="ctr" rtl="0">
-              <a:spcBef>
-                <a:spcPts val="0"/>
-              </a:spcBef>
-              <a:spcAft>
-                <a:spcPts val="0"/>
-              </a:spcAft>
-              <a:buNone/>
-            </a:pPr>
-            <a:r>
-              <a:rPr lang="en" sz="1600" b="1">
-                <a:solidFill>
-                  <a:srgbClr val="FFFFFF"/>
-                </a:solidFill>
-                <a:latin typeface="Lato"/>
-                <a:ea typeface="Lato"/>
-                <a:cs typeface="Lato"/>
-                <a:sym typeface="Lato"/>
-              </a:rPr>
-              <a:t>Design</a:t>
-            </a:r>
-            <a:endParaRPr sz="1600" b="1">
+            <a:endParaRPr sz="1600" b="1" dirty="0">
               <a:solidFill>
                 <a:srgbClr val="FFFFFF"/>
               </a:solidFill>
@@ -15569,7 +15614,7 @@
         </p:nvSpPr>
         <p:spPr>
           <a:xfrm>
-            <a:off x="1493750" y="4196975"/>
+            <a:off x="802100" y="3329925"/>
             <a:ext cx="2117100" cy="632400"/>
           </a:xfrm>
           <a:prstGeom prst="roundRect">
@@ -15606,7 +15651,7 @@
               <a:buNone/>
             </a:pPr>
             <a:r>
-              <a:rPr lang="en" sz="1600" b="1">
+              <a:rPr lang="en" sz="1600" b="1" dirty="0">
                 <a:solidFill>
                   <a:srgbClr val="FFFFFF"/>
                 </a:solidFill>
@@ -15617,7 +15662,7 @@
               </a:rPr>
               <a:t>Ethics &amp;</a:t>
             </a:r>
-            <a:endParaRPr sz="1600" b="1">
+            <a:endParaRPr sz="1600" b="1" dirty="0">
               <a:solidFill>
                 <a:srgbClr val="FFFFFF"/>
               </a:solidFill>
@@ -15638,7 +15683,7 @@
               <a:buNone/>
             </a:pPr>
             <a:r>
-              <a:rPr lang="en" sz="1600" b="1">
+              <a:rPr lang="en" sz="1600" b="1" dirty="0">
                 <a:solidFill>
                   <a:srgbClr val="FFFFFF"/>
                 </a:solidFill>
@@ -15649,7 +15694,7 @@
               </a:rPr>
               <a:t>Legal Issues</a:t>
             </a:r>
-            <a:endParaRPr sz="1600" b="1">
+            <a:endParaRPr sz="1600" b="1" dirty="0">
               <a:solidFill>
                 <a:srgbClr val="FFFFFF"/>
               </a:solidFill>
@@ -15669,7 +15714,7 @@
         </p:nvSpPr>
         <p:spPr>
           <a:xfrm>
-            <a:off x="387900" y="2818275"/>
+            <a:off x="435200" y="2415100"/>
             <a:ext cx="2117100" cy="632400"/>
           </a:xfrm>
           <a:prstGeom prst="roundRect">
@@ -15706,7 +15751,7 @@
               <a:buNone/>
             </a:pPr>
             <a:r>
-              <a:rPr lang="en" sz="1600" b="1">
+              <a:rPr lang="en" sz="1600" b="1" dirty="0">
                 <a:solidFill>
                   <a:srgbClr val="FFFFFF"/>
                 </a:solidFill>
@@ -15717,7 +15762,7 @@
               </a:rPr>
               <a:t>Communication</a:t>
             </a:r>
-            <a:endParaRPr sz="1600" b="1">
+            <a:endParaRPr sz="1600" b="1" dirty="0">
               <a:solidFill>
                 <a:srgbClr val="FFFFFF"/>
               </a:solidFill>
@@ -15774,7 +15819,7 @@
               <a:buNone/>
             </a:pPr>
             <a:r>
-              <a:rPr lang="en" sz="1600" b="1">
+              <a:rPr lang="en" sz="1600" b="1" dirty="0">
                 <a:solidFill>
                   <a:srgbClr val="FFFFFF"/>
                 </a:solidFill>
@@ -15785,7 +15830,7 @@
               </a:rPr>
               <a:t>Problem</a:t>
             </a:r>
-            <a:endParaRPr sz="1600" b="1">
+            <a:endParaRPr sz="1600" b="1" dirty="0">
               <a:solidFill>
                 <a:srgbClr val="FFFFFF"/>
               </a:solidFill>
@@ -15806,7 +15851,7 @@
               <a:buNone/>
             </a:pPr>
             <a:r>
-              <a:rPr lang="en" sz="1600" b="1">
+              <a:rPr lang="en" sz="1600" b="1" dirty="0">
                 <a:solidFill>
                   <a:srgbClr val="FFFFFF"/>
                 </a:solidFill>
@@ -15817,7 +15862,7 @@
               </a:rPr>
               <a:t>Formulation</a:t>
             </a:r>
-            <a:endParaRPr sz="1600" b="1">
+            <a:endParaRPr sz="1600" b="1" dirty="0">
               <a:solidFill>
                 <a:srgbClr val="FFFFFF"/>
               </a:solidFill>
@@ -15894,9 +15939,9 @@
           <p:nvPr/>
         </p:nvCxnSpPr>
         <p:spPr>
-          <a:xfrm rot="10800000">
-            <a:off x="5188250" y="3134475"/>
-            <a:ext cx="1553100" cy="0"/>
+          <a:xfrm flipH="1">
+            <a:off x="5188400" y="2797105"/>
+            <a:ext cx="1077550" cy="337370"/>
           </a:xfrm>
           <a:prstGeom prst="straightConnector1">
             <a:avLst/>
@@ -15916,13 +15961,16 @@
       <p:cxnSp>
         <p:nvCxnSpPr>
           <p:cNvPr id="117" name="Google Shape;117;p20"/>
-          <p:cNvCxnSpPr/>
+          <p:cNvCxnSpPr>
+            <a:cxnSpLocks/>
+            <a:stCxn id="110" idx="1"/>
+          </p:cNvCxnSpPr>
           <p:nvPr/>
         </p:nvCxnSpPr>
         <p:spPr>
-          <a:xfrm rot="10800000">
-            <a:off x="5160650" y="3531550"/>
-            <a:ext cx="530400" cy="668100"/>
+          <a:xfrm flipH="1" flipV="1">
+            <a:off x="5170200" y="3450675"/>
+            <a:ext cx="932875" cy="267517"/>
           </a:xfrm>
           <a:prstGeom prst="straightConnector1">
             <a:avLst/>
@@ -15942,13 +15990,16 @@
       <p:cxnSp>
         <p:nvCxnSpPr>
           <p:cNvPr id="118" name="Google Shape;118;p20"/>
-          <p:cNvCxnSpPr/>
+          <p:cNvCxnSpPr>
+            <a:cxnSpLocks/>
+            <a:stCxn id="111" idx="3"/>
+          </p:cNvCxnSpPr>
           <p:nvPr/>
         </p:nvCxnSpPr>
         <p:spPr>
-          <a:xfrm rot="10800000" flipH="1">
-            <a:off x="3580625" y="3531650"/>
-            <a:ext cx="540900" cy="678600"/>
+          <a:xfrm flipV="1">
+            <a:off x="2919200" y="3329925"/>
+            <a:ext cx="1134600" cy="316200"/>
           </a:xfrm>
           <a:prstGeom prst="straightConnector1">
             <a:avLst/>
@@ -15976,8 +16027,8 @@
         </p:nvCxnSpPr>
         <p:spPr>
           <a:xfrm>
-            <a:off x="2505000" y="3134475"/>
-            <a:ext cx="1548900" cy="0"/>
+            <a:off x="2552300" y="2731300"/>
+            <a:ext cx="1501500" cy="403175"/>
           </a:xfrm>
           <a:prstGeom prst="straightConnector1">
             <a:avLst/>
@@ -16004,6 +16055,257 @@
           <a:xfrm>
             <a:off x="3139125" y="2110425"/>
             <a:ext cx="954600" cy="646800"/>
+          </a:xfrm>
+          <a:prstGeom prst="straightConnector1">
+            <a:avLst/>
+          </a:prstGeom>
+          <a:noFill/>
+          <a:ln w="28575" cap="flat" cmpd="sng">
+            <a:solidFill>
+              <a:schemeClr val="dk2"/>
+            </a:solidFill>
+            <a:prstDash val="solid"/>
+            <a:round/>
+            <a:headEnd type="none" w="med" len="med"/>
+            <a:tailEnd type="none" w="med" len="med"/>
+          </a:ln>
+        </p:spPr>
+      </p:cxnSp>
+      <p:sp>
+        <p:nvSpPr>
+          <p:cNvPr id="7" name="Google Shape;111;p20">
+            <a:extLst>
+              <a:ext uri="{FF2B5EF4-FFF2-40B4-BE49-F238E27FC236}">
+                <a16:creationId xmlns:a16="http://schemas.microsoft.com/office/drawing/2014/main" id="{134D2411-99C1-F4C5-1E3E-68EEAA8D7BCA}"/>
+              </a:ext>
+            </a:extLst>
+          </p:cNvPr>
+          <p:cNvSpPr/>
+          <p:nvPr/>
+        </p:nvSpPr>
+        <p:spPr>
+          <a:xfrm>
+            <a:off x="1445450" y="4179913"/>
+            <a:ext cx="2117100" cy="632400"/>
+          </a:xfrm>
+          <a:prstGeom prst="roundRect">
+            <a:avLst>
+              <a:gd name="adj" fmla="val 16667"/>
+            </a:avLst>
+          </a:prstGeom>
+          <a:solidFill>
+            <a:srgbClr val="B45F06"/>
+          </a:solidFill>
+          <a:ln w="9525" cap="flat" cmpd="sng">
+            <a:solidFill>
+              <a:schemeClr val="dk2"/>
+            </a:solidFill>
+            <a:prstDash val="solid"/>
+            <a:round/>
+            <a:headEnd type="none" w="sm" len="sm"/>
+            <a:tailEnd type="none" w="sm" len="sm"/>
+          </a:ln>
+        </p:spPr>
+        <p:txBody>
+          <a:bodyPr spcFirstLastPara="1" wrap="square" lIns="91425" tIns="91425" rIns="91425" bIns="91425" anchor="ctr" anchorCtr="0">
+            <a:noAutofit/>
+          </a:bodyPr>
+          <a:lstStyle/>
+          <a:p>
+            <a:pPr marL="0" lvl="0" indent="0" algn="ctr" rtl="0">
+              <a:spcBef>
+                <a:spcPts val="0"/>
+              </a:spcBef>
+              <a:spcAft>
+                <a:spcPts val="0"/>
+              </a:spcAft>
+              <a:buNone/>
+            </a:pPr>
+            <a:r>
+              <a:rPr lang="en-US" sz="1600" b="1" dirty="0">
+                <a:solidFill>
+                  <a:srgbClr val="FFFFFF"/>
+                </a:solidFill>
+                <a:latin typeface="Lato"/>
+                <a:ea typeface="Lato"/>
+                <a:cs typeface="Lato"/>
+                <a:sym typeface="Lato"/>
+              </a:rPr>
+              <a:t>Project Management</a:t>
+            </a:r>
+            <a:endParaRPr sz="1600" b="1" dirty="0">
+              <a:solidFill>
+                <a:srgbClr val="FFFFFF"/>
+              </a:solidFill>
+              <a:latin typeface="Lato"/>
+              <a:ea typeface="Lato"/>
+              <a:cs typeface="Lato"/>
+              <a:sym typeface="Lato"/>
+            </a:endParaRPr>
+          </a:p>
+        </p:txBody>
+      </p:sp>
+      <p:cxnSp>
+        <p:nvCxnSpPr>
+          <p:cNvPr id="8" name="Google Shape;118;p20">
+            <a:extLst>
+              <a:ext uri="{FF2B5EF4-FFF2-40B4-BE49-F238E27FC236}">
+                <a16:creationId xmlns:a16="http://schemas.microsoft.com/office/drawing/2014/main" id="{42F11350-5B55-8858-2AB0-9A4B33843FA4}"/>
+              </a:ext>
+            </a:extLst>
+          </p:cNvPr>
+          <p:cNvCxnSpPr>
+            <a:cxnSpLocks/>
+            <a:stCxn id="7" idx="3"/>
+          </p:cNvCxnSpPr>
+          <p:nvPr/>
+        </p:nvCxnSpPr>
+        <p:spPr>
+          <a:xfrm flipV="1">
+            <a:off x="3562550" y="3531550"/>
+            <a:ext cx="879367" cy="964563"/>
+          </a:xfrm>
+          <a:prstGeom prst="straightConnector1">
+            <a:avLst/>
+          </a:prstGeom>
+          <a:noFill/>
+          <a:ln w="28575" cap="flat" cmpd="sng">
+            <a:solidFill>
+              <a:schemeClr val="dk2"/>
+            </a:solidFill>
+            <a:prstDash val="solid"/>
+            <a:round/>
+            <a:headEnd type="none" w="med" len="med"/>
+            <a:tailEnd type="none" w="med" len="med"/>
+          </a:ln>
+        </p:spPr>
+      </p:cxnSp>
+      <p:sp>
+        <p:nvSpPr>
+          <p:cNvPr id="12" name="Google Shape;110;p20">
+            <a:extLst>
+              <a:ext uri="{FF2B5EF4-FFF2-40B4-BE49-F238E27FC236}">
+                <a16:creationId xmlns:a16="http://schemas.microsoft.com/office/drawing/2014/main" id="{6AE12DBD-E7F0-806D-D669-25A5024FE152}"/>
+              </a:ext>
+            </a:extLst>
+          </p:cNvPr>
+          <p:cNvSpPr/>
+          <p:nvPr/>
+        </p:nvSpPr>
+        <p:spPr>
+          <a:xfrm>
+            <a:off x="5523075" y="4190350"/>
+            <a:ext cx="2117100" cy="632400"/>
+          </a:xfrm>
+          <a:prstGeom prst="roundRect">
+            <a:avLst>
+              <a:gd name="adj" fmla="val 16667"/>
+            </a:avLst>
+          </a:prstGeom>
+          <a:solidFill>
+            <a:srgbClr val="B45F06"/>
+          </a:solidFill>
+          <a:ln w="9525" cap="flat" cmpd="sng">
+            <a:solidFill>
+              <a:schemeClr val="dk2"/>
+            </a:solidFill>
+            <a:prstDash val="solid"/>
+            <a:round/>
+            <a:headEnd type="none" w="sm" len="sm"/>
+            <a:tailEnd type="none" w="sm" len="sm"/>
+          </a:ln>
+        </p:spPr>
+        <p:txBody>
+          <a:bodyPr spcFirstLastPara="1" wrap="square" lIns="91425" tIns="91425" rIns="91425" bIns="91425" anchor="ctr" anchorCtr="0">
+            <a:noAutofit/>
+          </a:bodyPr>
+          <a:lstStyle/>
+          <a:p>
+            <a:pPr marL="0" lvl="0" indent="0" algn="ctr" rtl="0">
+              <a:spcBef>
+                <a:spcPts val="0"/>
+              </a:spcBef>
+              <a:spcAft>
+                <a:spcPts val="0"/>
+              </a:spcAft>
+              <a:buNone/>
+            </a:pPr>
+            <a:r>
+              <a:rPr lang="en" sz="1600" b="1">
+                <a:solidFill>
+                  <a:srgbClr val="FFFFFF"/>
+                </a:solidFill>
+                <a:latin typeface="Lato"/>
+                <a:ea typeface="Lato"/>
+                <a:cs typeface="Lato"/>
+                <a:sym typeface="Lato"/>
+              </a:rPr>
+              <a:t>Experimental</a:t>
+            </a:r>
+            <a:endParaRPr sz="1600" b="1">
+              <a:solidFill>
+                <a:srgbClr val="FFFFFF"/>
+              </a:solidFill>
+              <a:latin typeface="Lato"/>
+              <a:ea typeface="Lato"/>
+              <a:cs typeface="Lato"/>
+              <a:sym typeface="Lato"/>
+            </a:endParaRPr>
+          </a:p>
+          <a:p>
+            <a:pPr marL="0" lvl="0" indent="0" algn="ctr" rtl="0">
+              <a:spcBef>
+                <a:spcPts val="0"/>
+              </a:spcBef>
+              <a:spcAft>
+                <a:spcPts val="0"/>
+              </a:spcAft>
+              <a:buNone/>
+            </a:pPr>
+            <a:r>
+              <a:rPr lang="en" sz="1600" b="1">
+                <a:solidFill>
+                  <a:srgbClr val="FFFFFF"/>
+                </a:solidFill>
+                <a:latin typeface="Lato"/>
+                <a:ea typeface="Lato"/>
+                <a:cs typeface="Lato"/>
+                <a:sym typeface="Lato"/>
+              </a:rPr>
+              <a:t>Design</a:t>
+            </a:r>
+            <a:endParaRPr sz="1600" b="1">
+              <a:solidFill>
+                <a:srgbClr val="FFFFFF"/>
+              </a:solidFill>
+              <a:latin typeface="Lato"/>
+              <a:ea typeface="Lato"/>
+              <a:cs typeface="Lato"/>
+              <a:sym typeface="Lato"/>
+            </a:endParaRPr>
+          </a:p>
+        </p:txBody>
+      </p:sp>
+      <p:cxnSp>
+        <p:nvCxnSpPr>
+          <p:cNvPr id="13" name="Google Shape;117;p20">
+            <a:extLst>
+              <a:ext uri="{FF2B5EF4-FFF2-40B4-BE49-F238E27FC236}">
+                <a16:creationId xmlns:a16="http://schemas.microsoft.com/office/drawing/2014/main" id="{A484D8D9-1AF9-3AC7-BDCF-5D67B26C3594}"/>
+              </a:ext>
+            </a:extLst>
+          </p:cNvPr>
+          <p:cNvCxnSpPr>
+            <a:cxnSpLocks/>
+            <a:stCxn id="12" idx="1"/>
+            <a:endCxn id="106" idx="2"/>
+          </p:cNvCxnSpPr>
+          <p:nvPr/>
+        </p:nvCxnSpPr>
+        <p:spPr>
+          <a:xfrm flipH="1" flipV="1">
+            <a:off x="4621100" y="3537525"/>
+            <a:ext cx="901975" cy="969025"/>
           </a:xfrm>
           <a:prstGeom prst="straightConnector1">
             <a:avLst/>

--- a/Lectures/01-ClassOverview.pptx
+++ b/Lectures/01-ClassOverview.pptx
@@ -5,7 +5,7 @@
     <p:sldMasterId id="2147483659" r:id="rId1"/>
   </p:sldMasterIdLst>
   <p:notesMasterIdLst>
-    <p:notesMasterId r:id="rId17"/>
+    <p:notesMasterId r:id="rId18"/>
   </p:notesMasterIdLst>
   <p:sldIdLst>
     <p:sldId id="256" r:id="rId2"/>
@@ -14,25 +14,26 @@
     <p:sldId id="261" r:id="rId5"/>
     <p:sldId id="297" r:id="rId6"/>
     <p:sldId id="296" r:id="rId7"/>
-    <p:sldId id="295" r:id="rId8"/>
-    <p:sldId id="264" r:id="rId9"/>
-    <p:sldId id="266" r:id="rId10"/>
-    <p:sldId id="267" r:id="rId11"/>
-    <p:sldId id="270" r:id="rId12"/>
-    <p:sldId id="271" r:id="rId13"/>
-    <p:sldId id="269" r:id="rId14"/>
-    <p:sldId id="272" r:id="rId15"/>
-    <p:sldId id="273" r:id="rId16"/>
+    <p:sldId id="298" r:id="rId8"/>
+    <p:sldId id="295" r:id="rId9"/>
+    <p:sldId id="264" r:id="rId10"/>
+    <p:sldId id="266" r:id="rId11"/>
+    <p:sldId id="267" r:id="rId12"/>
+    <p:sldId id="270" r:id="rId13"/>
+    <p:sldId id="271" r:id="rId14"/>
+    <p:sldId id="269" r:id="rId15"/>
+    <p:sldId id="272" r:id="rId16"/>
+    <p:sldId id="273" r:id="rId17"/>
   </p:sldIdLst>
   <p:sldSz cx="9144000" cy="5143500" type="screen16x9"/>
   <p:notesSz cx="6858000" cy="9144000"/>
   <p:embeddedFontLst>
     <p:embeddedFont>
       <p:font typeface="Lato" panose="020F0502020204030203" pitchFamily="34" charset="0"/>
-      <p:regular r:id="rId18"/>
-      <p:bold r:id="rId19"/>
-      <p:italic r:id="rId20"/>
-      <p:boldItalic r:id="rId21"/>
+      <p:regular r:id="rId19"/>
+      <p:bold r:id="rId20"/>
+      <p:italic r:id="rId21"/>
+      <p:boldItalic r:id="rId22"/>
     </p:embeddedFont>
   </p:embeddedFontLst>
   <p:defaultTextStyle>
@@ -12298,6 +12299,302 @@
   <p:cSld>
     <p:spTree>
       <p:nvGrpSpPr>
+        <p:cNvPr id="1" name="Shape 138"/>
+        <p:cNvGrpSpPr/>
+        <p:nvPr/>
+      </p:nvGrpSpPr>
+      <p:grpSpPr>
+        <a:xfrm>
+          <a:off x="0" y="0"/>
+          <a:ext cx="0" cy="0"/>
+          <a:chOff x="0" y="0"/>
+          <a:chExt cx="0" cy="0"/>
+        </a:xfrm>
+      </p:grpSpPr>
+      <p:sp>
+        <p:nvSpPr>
+          <p:cNvPr id="139" name="Google Shape;139;p23"/>
+          <p:cNvSpPr txBox="1">
+            <a:spLocks noGrp="1"/>
+          </p:cNvSpPr>
+          <p:nvPr>
+            <p:ph type="title"/>
+          </p:nvPr>
+        </p:nvSpPr>
+        <p:spPr>
+          <a:xfrm>
+            <a:off x="311700" y="445025"/>
+            <a:ext cx="8520600" cy="572700"/>
+          </a:xfrm>
+          <a:prstGeom prst="rect">
+            <a:avLst/>
+          </a:prstGeom>
+        </p:spPr>
+        <p:txBody>
+          <a:bodyPr spcFirstLastPara="1" wrap="square" lIns="91425" tIns="91425" rIns="91425" bIns="91425" anchor="t" anchorCtr="0">
+            <a:noAutofit/>
+          </a:bodyPr>
+          <a:lstStyle/>
+          <a:p>
+            <a:pPr marL="0" lvl="0" indent="0" algn="l" rtl="0">
+              <a:spcBef>
+                <a:spcPts val="0"/>
+              </a:spcBef>
+              <a:spcAft>
+                <a:spcPts val="0"/>
+              </a:spcAft>
+              <a:buNone/>
+            </a:pPr>
+            <a:r>
+              <a:rPr lang="en"/>
+              <a:t>Different components of the class</a:t>
+            </a:r>
+            <a:endParaRPr/>
+          </a:p>
+        </p:txBody>
+      </p:sp>
+      <p:sp>
+        <p:nvSpPr>
+          <p:cNvPr id="140" name="Google Shape;140;p23"/>
+          <p:cNvSpPr txBox="1">
+            <a:spLocks noGrp="1"/>
+          </p:cNvSpPr>
+          <p:nvPr>
+            <p:ph type="body" idx="1"/>
+          </p:nvPr>
+        </p:nvSpPr>
+        <p:spPr>
+          <a:xfrm>
+            <a:off x="311700" y="1152475"/>
+            <a:ext cx="8520600" cy="3416400"/>
+          </a:xfrm>
+          <a:prstGeom prst="rect">
+            <a:avLst/>
+          </a:prstGeom>
+        </p:spPr>
+        <p:txBody>
+          <a:bodyPr spcFirstLastPara="1" wrap="square" lIns="91425" tIns="91425" rIns="91425" bIns="91425" anchor="t" anchorCtr="0">
+            <a:noAutofit/>
+          </a:bodyPr>
+          <a:lstStyle/>
+          <a:p>
+            <a:pPr marL="457200" lvl="0" indent="-342900" algn="l" rtl="0">
+              <a:spcBef>
+                <a:spcPts val="800"/>
+              </a:spcBef>
+              <a:spcAft>
+                <a:spcPts val="0"/>
+              </a:spcAft>
+              <a:buClr>
+                <a:srgbClr val="FF0000"/>
+              </a:buClr>
+              <a:buSzPts val="1800"/>
+              <a:buChar char="●"/>
+            </a:pPr>
+            <a:r>
+              <a:rPr lang="en" b="1" dirty="0">
+                <a:solidFill>
+                  <a:srgbClr val="FF0000"/>
+                </a:solidFill>
+              </a:rPr>
+              <a:t>Group Projects – solving end to end (public policy) problems</a:t>
+            </a:r>
+            <a:endParaRPr b="1" dirty="0">
+              <a:solidFill>
+                <a:srgbClr val="FF0000"/>
+              </a:solidFill>
+            </a:endParaRPr>
+          </a:p>
+          <a:p>
+            <a:pPr marL="457200" lvl="0" indent="-342900" algn="l" rtl="0">
+              <a:spcBef>
+                <a:spcPts val="0"/>
+              </a:spcBef>
+              <a:spcAft>
+                <a:spcPts val="0"/>
+              </a:spcAft>
+              <a:buClr>
+                <a:schemeClr val="dk1"/>
+              </a:buClr>
+              <a:buSzPts val="1800"/>
+              <a:buChar char="●"/>
+            </a:pPr>
+            <a:r>
+              <a:rPr lang="en" dirty="0">
+                <a:solidFill>
+                  <a:schemeClr val="dk1"/>
+                </a:solidFill>
+              </a:rPr>
+              <a:t>Lectures</a:t>
+            </a:r>
+          </a:p>
+          <a:p>
+            <a:pPr marL="457200" lvl="0" indent="-342900" algn="l" rtl="0">
+              <a:spcBef>
+                <a:spcPts val="0"/>
+              </a:spcBef>
+              <a:spcAft>
+                <a:spcPts val="0"/>
+              </a:spcAft>
+              <a:buClr>
+                <a:schemeClr val="dk1"/>
+              </a:buClr>
+              <a:buSzPts val="1800"/>
+              <a:buChar char="●"/>
+            </a:pPr>
+            <a:r>
+              <a:rPr lang="en" dirty="0">
+                <a:solidFill>
+                  <a:schemeClr val="dk1"/>
+                </a:solidFill>
+              </a:rPr>
+              <a:t>Tech Sessions</a:t>
+            </a:r>
+            <a:endParaRPr dirty="0">
+              <a:solidFill>
+                <a:schemeClr val="dk1"/>
+              </a:solidFill>
+            </a:endParaRPr>
+          </a:p>
+          <a:p>
+            <a:pPr marL="457200" lvl="0" indent="-342900" algn="l" rtl="0">
+              <a:spcBef>
+                <a:spcPts val="0"/>
+              </a:spcBef>
+              <a:spcAft>
+                <a:spcPts val="0"/>
+              </a:spcAft>
+              <a:buClr>
+                <a:schemeClr val="dk1"/>
+              </a:buClr>
+              <a:buSzPts val="1800"/>
+              <a:buChar char="●"/>
+            </a:pPr>
+            <a:r>
+              <a:rPr lang="en" dirty="0">
+                <a:solidFill>
+                  <a:schemeClr val="dk1"/>
+                </a:solidFill>
+              </a:rPr>
+              <a:t>Readings/Videos</a:t>
+            </a:r>
+            <a:endParaRPr dirty="0">
+              <a:solidFill>
+                <a:schemeClr val="dk1"/>
+              </a:solidFill>
+            </a:endParaRPr>
+          </a:p>
+          <a:p>
+            <a:pPr marL="457200" lvl="0" indent="-342900" algn="l" rtl="0">
+              <a:spcBef>
+                <a:spcPts val="0"/>
+              </a:spcBef>
+              <a:spcAft>
+                <a:spcPts val="0"/>
+              </a:spcAft>
+              <a:buClr>
+                <a:schemeClr val="dk1"/>
+              </a:buClr>
+              <a:buSzPts val="1800"/>
+              <a:buChar char="●"/>
+            </a:pPr>
+            <a:r>
+              <a:rPr lang="en" dirty="0">
+                <a:solidFill>
+                  <a:schemeClr val="dk1"/>
+                </a:solidFill>
+              </a:rPr>
+              <a:t>Student Presentations</a:t>
+            </a:r>
+            <a:endParaRPr dirty="0">
+              <a:solidFill>
+                <a:schemeClr val="dk1"/>
+              </a:solidFill>
+            </a:endParaRPr>
+          </a:p>
+          <a:p>
+            <a:pPr marL="457200" lvl="0" indent="-342900" algn="l" rtl="0">
+              <a:spcBef>
+                <a:spcPts val="0"/>
+              </a:spcBef>
+              <a:spcAft>
+                <a:spcPts val="0"/>
+              </a:spcAft>
+              <a:buClr>
+                <a:schemeClr val="dk1"/>
+              </a:buClr>
+              <a:buSzPts val="1800"/>
+              <a:buChar char="●"/>
+            </a:pPr>
+            <a:r>
+              <a:rPr lang="en" dirty="0">
+                <a:solidFill>
+                  <a:schemeClr val="dk1"/>
+                </a:solidFill>
+              </a:rPr>
+              <a:t>Discussions</a:t>
+            </a:r>
+            <a:endParaRPr dirty="0">
+              <a:solidFill>
+                <a:schemeClr val="dk1"/>
+              </a:solidFill>
+            </a:endParaRPr>
+          </a:p>
+          <a:p>
+            <a:pPr marL="457200" lvl="0" indent="-342900" algn="l" rtl="0">
+              <a:spcBef>
+                <a:spcPts val="0"/>
+              </a:spcBef>
+              <a:spcAft>
+                <a:spcPts val="0"/>
+              </a:spcAft>
+              <a:buClr>
+                <a:schemeClr val="dk1"/>
+              </a:buClr>
+              <a:buSzPts val="1800"/>
+              <a:buChar char="●"/>
+            </a:pPr>
+            <a:r>
+              <a:rPr lang="en" dirty="0">
+                <a:solidFill>
+                  <a:schemeClr val="dk1"/>
+                </a:solidFill>
+              </a:rPr>
+              <a:t>Assignments (mostly project-related)</a:t>
+            </a:r>
+            <a:endParaRPr dirty="0">
+              <a:solidFill>
+                <a:schemeClr val="dk1"/>
+              </a:solidFill>
+            </a:endParaRPr>
+          </a:p>
+          <a:p>
+            <a:pPr marL="0" lvl="0" indent="0" algn="l" rtl="0">
+              <a:spcBef>
+                <a:spcPts val="0"/>
+              </a:spcBef>
+              <a:spcAft>
+                <a:spcPts val="1600"/>
+              </a:spcAft>
+              <a:buNone/>
+            </a:pPr>
+            <a:endParaRPr dirty="0"/>
+          </a:p>
+        </p:txBody>
+      </p:sp>
+    </p:spTree>
+  </p:cSld>
+  <p:clrMapOvr>
+    <a:masterClrMapping/>
+  </p:clrMapOvr>
+</p:sld>
+</file>
+
+<file path=ppt/slides/slide11.xml><?xml version="1.0" encoding="utf-8"?>
+<p:sld xmlns:a="http://schemas.openxmlformats.org/drawingml/2006/main" xmlns:r="http://schemas.openxmlformats.org/officeDocument/2006/relationships" xmlns:p="http://schemas.openxmlformats.org/presentationml/2006/main">
+  <p:cSld>
+    <p:spTree>
+      <p:nvGrpSpPr>
         <p:cNvPr id="1" name="Shape 144"/>
         <p:cNvGrpSpPr/>
         <p:nvPr/>
@@ -12608,7 +12905,7 @@
 </p:sld>
 </file>
 
-<file path=ppt/slides/slide11.xml><?xml version="1.0" encoding="utf-8"?>
+<file path=ppt/slides/slide12.xml><?xml version="1.0" encoding="utf-8"?>
 <p:sld xmlns:a="http://schemas.openxmlformats.org/drawingml/2006/main" xmlns:r="http://schemas.openxmlformats.org/officeDocument/2006/relationships" xmlns:p="http://schemas.openxmlformats.org/presentationml/2006/main">
   <p:cSld>
     <p:spTree>
@@ -12938,7 +13235,7 @@
 </p:sld>
 </file>
 
-<file path=ppt/slides/slide12.xml><?xml version="1.0" encoding="utf-8"?>
+<file path=ppt/slides/slide13.xml><?xml version="1.0" encoding="utf-8"?>
 <p:sld xmlns:a="http://schemas.openxmlformats.org/drawingml/2006/main" xmlns:r="http://schemas.openxmlformats.org/officeDocument/2006/relationships" xmlns:p="http://schemas.openxmlformats.org/presentationml/2006/main">
   <p:cSld>
     <p:spTree>
@@ -13230,7 +13527,7 @@
 </p:sld>
 </file>
 
-<file path=ppt/slides/slide13.xml><?xml version="1.0" encoding="utf-8"?>
+<file path=ppt/slides/slide14.xml><?xml version="1.0" encoding="utf-8"?>
 <p:sld xmlns:a="http://schemas.openxmlformats.org/drawingml/2006/main" xmlns:r="http://schemas.openxmlformats.org/officeDocument/2006/relationships" xmlns:p="http://schemas.openxmlformats.org/presentationml/2006/main">
   <p:cSld>
     <p:spTree>
@@ -13418,7 +13715,7 @@
 </p:sld>
 </file>
 
-<file path=ppt/slides/slide14.xml><?xml version="1.0" encoding="utf-8"?>
+<file path=ppt/slides/slide15.xml><?xml version="1.0" encoding="utf-8"?>
 <p:sld xmlns:a="http://schemas.openxmlformats.org/drawingml/2006/main" xmlns:r="http://schemas.openxmlformats.org/officeDocument/2006/relationships" xmlns:p="http://schemas.openxmlformats.org/presentationml/2006/main">
   <p:cSld>
     <p:spTree>
@@ -13818,7 +14115,7 @@
 </p:sld>
 </file>
 
-<file path=ppt/slides/slide15.xml><?xml version="1.0" encoding="utf-8"?>
+<file path=ppt/slides/slide16.xml><?xml version="1.0" encoding="utf-8"?>
 <p:sld xmlns:a="http://schemas.openxmlformats.org/drawingml/2006/main" xmlns:r="http://schemas.openxmlformats.org/officeDocument/2006/relationships" xmlns:p="http://schemas.openxmlformats.org/presentationml/2006/main">
   <p:cSld>
     <p:spTree>
@@ -13914,13 +14211,8 @@
             </a:pPr>
             <a:r>
               <a:rPr lang="en" dirty="0"/>
-              <a:t>Tech setup (</a:t>
+              <a:t>Tech setup (tomorrow) </a:t>
             </a:r>
-            <a:r>
-              <a:rPr lang="en"/>
-              <a:t>tomorrow) </a:t>
-            </a:r>
-            <a:endParaRPr lang="en" dirty="0"/>
           </a:p>
           <a:p>
             <a:pPr lvl="1"/>
@@ -16347,6 +16639,83 @@
           <a:chExt cx="0" cy="0"/>
         </a:xfrm>
       </p:grpSpPr>
+      <p:pic>
+        <p:nvPicPr>
+          <p:cNvPr id="2050" name="Picture 2">
+            <a:extLst>
+              <a:ext uri="{FF2B5EF4-FFF2-40B4-BE49-F238E27FC236}">
+                <a16:creationId xmlns:a16="http://schemas.microsoft.com/office/drawing/2014/main" id="{77669FA4-6753-D41C-1F75-136FCEC8D7D3}"/>
+              </a:ext>
+            </a:extLst>
+          </p:cNvPr>
+          <p:cNvPicPr>
+            <a:picLocks noChangeAspect="1" noChangeArrowheads="1"/>
+          </p:cNvPicPr>
+          <p:nvPr/>
+        </p:nvPicPr>
+        <p:blipFill>
+          <a:blip r:embed="rId2">
+            <a:extLst>
+              <a:ext uri="{28A0092B-C50C-407E-A947-70E740481C1C}">
+                <a14:useLocalDpi xmlns:a14="http://schemas.microsoft.com/office/drawing/2010/main" val="0"/>
+              </a:ext>
+            </a:extLst>
+          </a:blip>
+          <a:srcRect/>
+          <a:stretch>
+            <a:fillRect/>
+          </a:stretch>
+        </p:blipFill>
+        <p:spPr bwMode="auto">
+          <a:xfrm>
+            <a:off x="44823" y="723106"/>
+            <a:ext cx="9144000" cy="3697287"/>
+          </a:xfrm>
+          <a:prstGeom prst="rect">
+            <a:avLst/>
+          </a:prstGeom>
+          <a:noFill/>
+          <a:extLst>
+            <a:ext uri="{909E8E84-426E-40DD-AFC4-6F175D3DCCD1}">
+              <a14:hiddenFill xmlns:a14="http://schemas.microsoft.com/office/drawing/2010/main">
+                <a:solidFill>
+                  <a:srgbClr val="FFFFFF"/>
+                </a:solidFill>
+              </a14:hiddenFill>
+            </a:ext>
+          </a:extLst>
+        </p:spPr>
+      </p:pic>
+    </p:spTree>
+    <p:extLst>
+      <p:ext uri="{BB962C8B-B14F-4D97-AF65-F5344CB8AC3E}">
+        <p14:creationId xmlns:p14="http://schemas.microsoft.com/office/powerpoint/2010/main" val="2384624892"/>
+      </p:ext>
+    </p:extLst>
+  </p:cSld>
+  <p:clrMapOvr>
+    <a:masterClrMapping/>
+  </p:clrMapOvr>
+</p:sld>
+</file>
+
+<file path=ppt/slides/slide8.xml><?xml version="1.0" encoding="utf-8"?>
+<p:sld xmlns:a="http://schemas.openxmlformats.org/drawingml/2006/main" xmlns:r="http://schemas.openxmlformats.org/officeDocument/2006/relationships" xmlns:p="http://schemas.openxmlformats.org/presentationml/2006/main">
+  <p:cSld>
+    <p:spTree>
+      <p:nvGrpSpPr>
+        <p:cNvPr id="1" name=""/>
+        <p:cNvGrpSpPr/>
+        <p:nvPr/>
+      </p:nvGrpSpPr>
+      <p:grpSpPr>
+        <a:xfrm>
+          <a:off x="0" y="0"/>
+          <a:ext cx="0" cy="0"/>
+          <a:chOff x="0" y="0"/>
+          <a:chExt cx="0" cy="0"/>
+        </a:xfrm>
+      </p:grpSpPr>
       <p:sp>
         <p:nvSpPr>
           <p:cNvPr id="2" name="Title 1">
@@ -16464,7 +16833,7 @@
 </p:sld>
 </file>
 
-<file path=ppt/slides/slide8.xml><?xml version="1.0" encoding="utf-8"?>
+<file path=ppt/slides/slide9.xml><?xml version="1.0" encoding="utf-8"?>
 <p:sld xmlns:a="http://schemas.openxmlformats.org/drawingml/2006/main" xmlns:r="http://schemas.openxmlformats.org/officeDocument/2006/relationships" xmlns:p="http://schemas.openxmlformats.org/presentationml/2006/main">
   <p:cSld>
     <p:spTree>
@@ -16521,302 +16890,6 @@
               </a:rPr>
               <a:t>Class Schedule</a:t>
             </a:r>
-            <a:endParaRPr dirty="0"/>
-          </a:p>
-        </p:txBody>
-      </p:sp>
-    </p:spTree>
-  </p:cSld>
-  <p:clrMapOvr>
-    <a:masterClrMapping/>
-  </p:clrMapOvr>
-</p:sld>
-</file>
-
-<file path=ppt/slides/slide9.xml><?xml version="1.0" encoding="utf-8"?>
-<p:sld xmlns:a="http://schemas.openxmlformats.org/drawingml/2006/main" xmlns:r="http://schemas.openxmlformats.org/officeDocument/2006/relationships" xmlns:p="http://schemas.openxmlformats.org/presentationml/2006/main">
-  <p:cSld>
-    <p:spTree>
-      <p:nvGrpSpPr>
-        <p:cNvPr id="1" name="Shape 138"/>
-        <p:cNvGrpSpPr/>
-        <p:nvPr/>
-      </p:nvGrpSpPr>
-      <p:grpSpPr>
-        <a:xfrm>
-          <a:off x="0" y="0"/>
-          <a:ext cx="0" cy="0"/>
-          <a:chOff x="0" y="0"/>
-          <a:chExt cx="0" cy="0"/>
-        </a:xfrm>
-      </p:grpSpPr>
-      <p:sp>
-        <p:nvSpPr>
-          <p:cNvPr id="139" name="Google Shape;139;p23"/>
-          <p:cNvSpPr txBox="1">
-            <a:spLocks noGrp="1"/>
-          </p:cNvSpPr>
-          <p:nvPr>
-            <p:ph type="title"/>
-          </p:nvPr>
-        </p:nvSpPr>
-        <p:spPr>
-          <a:xfrm>
-            <a:off x="311700" y="445025"/>
-            <a:ext cx="8520600" cy="572700"/>
-          </a:xfrm>
-          <a:prstGeom prst="rect">
-            <a:avLst/>
-          </a:prstGeom>
-        </p:spPr>
-        <p:txBody>
-          <a:bodyPr spcFirstLastPara="1" wrap="square" lIns="91425" tIns="91425" rIns="91425" bIns="91425" anchor="t" anchorCtr="0">
-            <a:noAutofit/>
-          </a:bodyPr>
-          <a:lstStyle/>
-          <a:p>
-            <a:pPr marL="0" lvl="0" indent="0" algn="l" rtl="0">
-              <a:spcBef>
-                <a:spcPts val="0"/>
-              </a:spcBef>
-              <a:spcAft>
-                <a:spcPts val="0"/>
-              </a:spcAft>
-              <a:buNone/>
-            </a:pPr>
-            <a:r>
-              <a:rPr lang="en"/>
-              <a:t>Different components of the class</a:t>
-            </a:r>
-            <a:endParaRPr/>
-          </a:p>
-        </p:txBody>
-      </p:sp>
-      <p:sp>
-        <p:nvSpPr>
-          <p:cNvPr id="140" name="Google Shape;140;p23"/>
-          <p:cNvSpPr txBox="1">
-            <a:spLocks noGrp="1"/>
-          </p:cNvSpPr>
-          <p:nvPr>
-            <p:ph type="body" idx="1"/>
-          </p:nvPr>
-        </p:nvSpPr>
-        <p:spPr>
-          <a:xfrm>
-            <a:off x="311700" y="1152475"/>
-            <a:ext cx="8520600" cy="3416400"/>
-          </a:xfrm>
-          <a:prstGeom prst="rect">
-            <a:avLst/>
-          </a:prstGeom>
-        </p:spPr>
-        <p:txBody>
-          <a:bodyPr spcFirstLastPara="1" wrap="square" lIns="91425" tIns="91425" rIns="91425" bIns="91425" anchor="t" anchorCtr="0">
-            <a:noAutofit/>
-          </a:bodyPr>
-          <a:lstStyle/>
-          <a:p>
-            <a:pPr marL="457200" lvl="0" indent="-342900" algn="l" rtl="0">
-              <a:spcBef>
-                <a:spcPts val="800"/>
-              </a:spcBef>
-              <a:spcAft>
-                <a:spcPts val="0"/>
-              </a:spcAft>
-              <a:buClr>
-                <a:srgbClr val="FF0000"/>
-              </a:buClr>
-              <a:buSzPts val="1800"/>
-              <a:buChar char="●"/>
-            </a:pPr>
-            <a:r>
-              <a:rPr lang="en" b="1" dirty="0">
-                <a:solidFill>
-                  <a:srgbClr val="FF0000"/>
-                </a:solidFill>
-              </a:rPr>
-              <a:t>Group Projects – solving end to end (public policy) problems</a:t>
-            </a:r>
-            <a:endParaRPr b="1" dirty="0">
-              <a:solidFill>
-                <a:srgbClr val="FF0000"/>
-              </a:solidFill>
-            </a:endParaRPr>
-          </a:p>
-          <a:p>
-            <a:pPr marL="457200" lvl="0" indent="-342900" algn="l" rtl="0">
-              <a:spcBef>
-                <a:spcPts val="0"/>
-              </a:spcBef>
-              <a:spcAft>
-                <a:spcPts val="0"/>
-              </a:spcAft>
-              <a:buClr>
-                <a:schemeClr val="dk1"/>
-              </a:buClr>
-              <a:buSzPts val="1800"/>
-              <a:buChar char="●"/>
-            </a:pPr>
-            <a:r>
-              <a:rPr lang="en" dirty="0">
-                <a:solidFill>
-                  <a:schemeClr val="dk1"/>
-                </a:solidFill>
-              </a:rPr>
-              <a:t>Lectures</a:t>
-            </a:r>
-          </a:p>
-          <a:p>
-            <a:pPr marL="457200" lvl="0" indent="-342900" algn="l" rtl="0">
-              <a:spcBef>
-                <a:spcPts val="0"/>
-              </a:spcBef>
-              <a:spcAft>
-                <a:spcPts val="0"/>
-              </a:spcAft>
-              <a:buClr>
-                <a:schemeClr val="dk1"/>
-              </a:buClr>
-              <a:buSzPts val="1800"/>
-              <a:buChar char="●"/>
-            </a:pPr>
-            <a:r>
-              <a:rPr lang="en" dirty="0">
-                <a:solidFill>
-                  <a:schemeClr val="dk1"/>
-                </a:solidFill>
-              </a:rPr>
-              <a:t>Tech Sessions</a:t>
-            </a:r>
-            <a:endParaRPr dirty="0">
-              <a:solidFill>
-                <a:schemeClr val="dk1"/>
-              </a:solidFill>
-            </a:endParaRPr>
-          </a:p>
-          <a:p>
-            <a:pPr marL="457200" lvl="0" indent="-342900" algn="l" rtl="0">
-              <a:spcBef>
-                <a:spcPts val="0"/>
-              </a:spcBef>
-              <a:spcAft>
-                <a:spcPts val="0"/>
-              </a:spcAft>
-              <a:buClr>
-                <a:schemeClr val="dk1"/>
-              </a:buClr>
-              <a:buSzPts val="1800"/>
-              <a:buChar char="●"/>
-            </a:pPr>
-            <a:r>
-              <a:rPr lang="en" dirty="0">
-                <a:solidFill>
-                  <a:schemeClr val="dk1"/>
-                </a:solidFill>
-              </a:rPr>
-              <a:t>Readings/Videos</a:t>
-            </a:r>
-            <a:endParaRPr dirty="0">
-              <a:solidFill>
-                <a:schemeClr val="dk1"/>
-              </a:solidFill>
-            </a:endParaRPr>
-          </a:p>
-          <a:p>
-            <a:pPr marL="457200" lvl="0" indent="-342900" algn="l" rtl="0">
-              <a:spcBef>
-                <a:spcPts val="0"/>
-              </a:spcBef>
-              <a:spcAft>
-                <a:spcPts val="0"/>
-              </a:spcAft>
-              <a:buClr>
-                <a:schemeClr val="dk1"/>
-              </a:buClr>
-              <a:buSzPts val="1800"/>
-              <a:buChar char="●"/>
-            </a:pPr>
-            <a:r>
-              <a:rPr lang="en" dirty="0">
-                <a:solidFill>
-                  <a:schemeClr val="dk1"/>
-                </a:solidFill>
-              </a:rPr>
-              <a:t>Student Presentations</a:t>
-            </a:r>
-            <a:endParaRPr dirty="0">
-              <a:solidFill>
-                <a:schemeClr val="dk1"/>
-              </a:solidFill>
-            </a:endParaRPr>
-          </a:p>
-          <a:p>
-            <a:pPr marL="457200" lvl="0" indent="-342900" algn="l" rtl="0">
-              <a:spcBef>
-                <a:spcPts val="0"/>
-              </a:spcBef>
-              <a:spcAft>
-                <a:spcPts val="0"/>
-              </a:spcAft>
-              <a:buClr>
-                <a:schemeClr val="dk1"/>
-              </a:buClr>
-              <a:buSzPts val="1800"/>
-              <a:buChar char="●"/>
-            </a:pPr>
-            <a:r>
-              <a:rPr lang="en" dirty="0">
-                <a:solidFill>
-                  <a:schemeClr val="dk1"/>
-                </a:solidFill>
-              </a:rPr>
-              <a:t>Discussions</a:t>
-            </a:r>
-            <a:endParaRPr dirty="0">
-              <a:solidFill>
-                <a:schemeClr val="dk1"/>
-              </a:solidFill>
-            </a:endParaRPr>
-          </a:p>
-          <a:p>
-            <a:pPr marL="457200" lvl="0" indent="-342900" algn="l" rtl="0">
-              <a:spcBef>
-                <a:spcPts val="0"/>
-              </a:spcBef>
-              <a:spcAft>
-                <a:spcPts val="0"/>
-              </a:spcAft>
-              <a:buClr>
-                <a:schemeClr val="dk1"/>
-              </a:buClr>
-              <a:buSzPts val="1800"/>
-              <a:buChar char="●"/>
-            </a:pPr>
-            <a:r>
-              <a:rPr lang="en" dirty="0">
-                <a:solidFill>
-                  <a:schemeClr val="dk1"/>
-                </a:solidFill>
-              </a:rPr>
-              <a:t>Assignments (mostly project-related)</a:t>
-            </a:r>
-            <a:endParaRPr dirty="0">
-              <a:solidFill>
-                <a:schemeClr val="dk1"/>
-              </a:solidFill>
-            </a:endParaRPr>
-          </a:p>
-          <a:p>
-            <a:pPr marL="0" lvl="0" indent="0" algn="l" rtl="0">
-              <a:spcBef>
-                <a:spcPts val="0"/>
-              </a:spcBef>
-              <a:spcAft>
-                <a:spcPts val="1600"/>
-              </a:spcAft>
-              <a:buNone/>
-            </a:pPr>
             <a:endParaRPr dirty="0"/>
           </a:p>
         </p:txBody>

--- a/Lectures/01-ClassOverview.pptx
+++ b/Lectures/01-ClassOverview.pptx
@@ -14708,6 +14708,13 @@
             </a:r>
           </a:p>
           <a:p>
+            <a:pPr lvl="0"/>
+            <a:r>
+              <a:rPr lang="en" dirty="0"/>
+              <a:t>SQL</a:t>
+            </a:r>
+          </a:p>
+          <a:p>
             <a:pPr marL="457200" lvl="0" indent="-342900" algn="l" rtl="0">
               <a:spcBef>
                 <a:spcPts val="0"/>
@@ -14746,22 +14753,6 @@
             <a:r>
               <a:rPr lang="en" dirty="0"/>
               <a:t>Machine Learning methods and process</a:t>
-            </a:r>
-          </a:p>
-          <a:p>
-            <a:pPr marL="457200" lvl="0" indent="-342900" algn="l" rtl="0">
-              <a:spcBef>
-                <a:spcPts val="0"/>
-              </a:spcBef>
-              <a:spcAft>
-                <a:spcPts val="0"/>
-              </a:spcAft>
-              <a:buSzPts val="1800"/>
-              <a:buChar char="●"/>
-            </a:pPr>
-            <a:r>
-              <a:rPr lang="en" dirty="0"/>
-              <a:t>SQL</a:t>
             </a:r>
           </a:p>
           <a:p>
